--- a/src/Компьютерное моделирование кривой блеска затменной звёздной системы.pptx
+++ b/src/Компьютерное моделирование кривой блеска затменной звёздной системы.pptx
@@ -4,13 +4,21 @@
   <p:sldMasterIdLst>
     <p:sldMasterId id="2147483648" r:id="rId1"/>
   </p:sldMasterIdLst>
+  <p:notesMasterIdLst>
+    <p:notesMasterId r:id="rId13"/>
+  </p:notesMasterIdLst>
   <p:sldIdLst>
     <p:sldId id="256" r:id="rId2"/>
     <p:sldId id="257" r:id="rId3"/>
     <p:sldId id="260" r:id="rId4"/>
-    <p:sldId id="261" r:id="rId5"/>
-    <p:sldId id="259" r:id="rId6"/>
-    <p:sldId id="258" r:id="rId7"/>
+    <p:sldId id="262" r:id="rId5"/>
+    <p:sldId id="267" r:id="rId6"/>
+    <p:sldId id="263" r:id="rId7"/>
+    <p:sldId id="264" r:id="rId8"/>
+    <p:sldId id="265" r:id="rId9"/>
+    <p:sldId id="266" r:id="rId10"/>
+    <p:sldId id="259" r:id="rId11"/>
+    <p:sldId id="258" r:id="rId12"/>
   </p:sldIdLst>
   <p:sldSz cx="12192000" cy="6858000"/>
   <p:notesSz cx="6858000" cy="9144000"/>
@@ -117,6 +125,445 @@
 </p:presentation>
 </file>
 
+<file path=ppt/notesMasters/notesMaster1.xml><?xml version="1.0" encoding="utf-8"?>
+<p:notesMaster xmlns:a="http://schemas.openxmlformats.org/drawingml/2006/main" xmlns:r="http://schemas.openxmlformats.org/officeDocument/2006/relationships" xmlns:p="http://schemas.openxmlformats.org/presentationml/2006/main">
+  <p:cSld>
+    <p:bg>
+      <p:bgRef idx="1001">
+        <a:schemeClr val="bg1"/>
+      </p:bgRef>
+    </p:bg>
+    <p:spTree>
+      <p:nvGrpSpPr>
+        <p:cNvPr id="1" name=""/>
+        <p:cNvGrpSpPr/>
+        <p:nvPr/>
+      </p:nvGrpSpPr>
+      <p:grpSpPr>
+        <a:xfrm>
+          <a:off x="0" y="0"/>
+          <a:ext cx="0" cy="0"/>
+          <a:chOff x="0" y="0"/>
+          <a:chExt cx="0" cy="0"/>
+        </a:xfrm>
+      </p:grpSpPr>
+      <p:sp>
+        <p:nvSpPr>
+          <p:cNvPr id="2" name="Верхний колонтитул 1"/>
+          <p:cNvSpPr>
+            <a:spLocks noGrp="1"/>
+          </p:cNvSpPr>
+          <p:nvPr>
+            <p:ph type="hdr" sz="quarter"/>
+          </p:nvPr>
+        </p:nvSpPr>
+        <p:spPr>
+          <a:xfrm>
+            <a:off x="0" y="0"/>
+            <a:ext cx="2971800" cy="458788"/>
+          </a:xfrm>
+          <a:prstGeom prst="rect">
+            <a:avLst/>
+          </a:prstGeom>
+        </p:spPr>
+        <p:txBody>
+          <a:bodyPr vert="horz" lIns="91440" tIns="45720" rIns="91440" bIns="45720" rtlCol="0"/>
+          <a:lstStyle>
+            <a:lvl1pPr algn="l">
+              <a:defRPr sz="1200"/>
+            </a:lvl1pPr>
+          </a:lstStyle>
+          <a:p>
+            <a:endParaRPr lang="ru-RU"/>
+          </a:p>
+        </p:txBody>
+      </p:sp>
+      <p:sp>
+        <p:nvSpPr>
+          <p:cNvPr id="3" name="Дата 2"/>
+          <p:cNvSpPr>
+            <a:spLocks noGrp="1"/>
+          </p:cNvSpPr>
+          <p:nvPr>
+            <p:ph type="dt" idx="1"/>
+          </p:nvPr>
+        </p:nvSpPr>
+        <p:spPr>
+          <a:xfrm>
+            <a:off x="3884613" y="0"/>
+            <a:ext cx="2971800" cy="458788"/>
+          </a:xfrm>
+          <a:prstGeom prst="rect">
+            <a:avLst/>
+          </a:prstGeom>
+        </p:spPr>
+        <p:txBody>
+          <a:bodyPr vert="horz" lIns="91440" tIns="45720" rIns="91440" bIns="45720" rtlCol="0"/>
+          <a:lstStyle>
+            <a:lvl1pPr algn="r">
+              <a:defRPr sz="1200"/>
+            </a:lvl1pPr>
+          </a:lstStyle>
+          <a:p>
+            <a:fld id="{B38338A4-F35C-4038-913E-7C0B0DC33585}" type="datetimeFigureOut">
+              <a:rPr lang="ru-RU" smtClean="0"/>
+              <a:t>03.07.2022</a:t>
+            </a:fld>
+            <a:endParaRPr lang="ru-RU"/>
+          </a:p>
+        </p:txBody>
+      </p:sp>
+      <p:sp>
+        <p:nvSpPr>
+          <p:cNvPr id="4" name="Образ слайда 3"/>
+          <p:cNvSpPr>
+            <a:spLocks noGrp="1" noRot="1" noChangeAspect="1"/>
+          </p:cNvSpPr>
+          <p:nvPr>
+            <p:ph type="sldImg" idx="2"/>
+          </p:nvPr>
+        </p:nvSpPr>
+        <p:spPr>
+          <a:xfrm>
+            <a:off x="685800" y="1143000"/>
+            <a:ext cx="5486400" cy="3086100"/>
+          </a:xfrm>
+          <a:prstGeom prst="rect">
+            <a:avLst/>
+          </a:prstGeom>
+          <a:noFill/>
+          <a:ln w="12700">
+            <a:solidFill>
+              <a:prstClr val="black"/>
+            </a:solidFill>
+          </a:ln>
+        </p:spPr>
+        <p:txBody>
+          <a:bodyPr vert="horz" lIns="91440" tIns="45720" rIns="91440" bIns="45720" rtlCol="0" anchor="ctr"/>
+          <a:lstStyle/>
+          <a:p>
+            <a:endParaRPr lang="ru-RU"/>
+          </a:p>
+        </p:txBody>
+      </p:sp>
+      <p:sp>
+        <p:nvSpPr>
+          <p:cNvPr id="5" name="Заметки 4"/>
+          <p:cNvSpPr>
+            <a:spLocks noGrp="1"/>
+          </p:cNvSpPr>
+          <p:nvPr>
+            <p:ph type="body" sz="quarter" idx="3"/>
+          </p:nvPr>
+        </p:nvSpPr>
+        <p:spPr>
+          <a:xfrm>
+            <a:off x="685800" y="4400550"/>
+            <a:ext cx="5486400" cy="3600450"/>
+          </a:xfrm>
+          <a:prstGeom prst="rect">
+            <a:avLst/>
+          </a:prstGeom>
+        </p:spPr>
+        <p:txBody>
+          <a:bodyPr vert="horz" lIns="91440" tIns="45720" rIns="91440" bIns="45720" rtlCol="0"/>
+          <a:lstStyle/>
+          <a:p>
+            <a:pPr lvl="0"/>
+            <a:r>
+              <a:rPr lang="ru-RU"/>
+              <a:t>Образец текста</a:t>
+            </a:r>
+          </a:p>
+          <a:p>
+            <a:pPr lvl="1"/>
+            <a:r>
+              <a:rPr lang="ru-RU"/>
+              <a:t>Второй уровень</a:t>
+            </a:r>
+          </a:p>
+          <a:p>
+            <a:pPr lvl="2"/>
+            <a:r>
+              <a:rPr lang="ru-RU"/>
+              <a:t>Третий уровень</a:t>
+            </a:r>
+          </a:p>
+          <a:p>
+            <a:pPr lvl="3"/>
+            <a:r>
+              <a:rPr lang="ru-RU"/>
+              <a:t>Четвертый уровень</a:t>
+            </a:r>
+          </a:p>
+          <a:p>
+            <a:pPr lvl="4"/>
+            <a:r>
+              <a:rPr lang="ru-RU"/>
+              <a:t>Пятый уровень</a:t>
+            </a:r>
+          </a:p>
+        </p:txBody>
+      </p:sp>
+      <p:sp>
+        <p:nvSpPr>
+          <p:cNvPr id="6" name="Нижний колонтитул 5"/>
+          <p:cNvSpPr>
+            <a:spLocks noGrp="1"/>
+          </p:cNvSpPr>
+          <p:nvPr>
+            <p:ph type="ftr" sz="quarter" idx="4"/>
+          </p:nvPr>
+        </p:nvSpPr>
+        <p:spPr>
+          <a:xfrm>
+            <a:off x="0" y="8685213"/>
+            <a:ext cx="2971800" cy="458787"/>
+          </a:xfrm>
+          <a:prstGeom prst="rect">
+            <a:avLst/>
+          </a:prstGeom>
+        </p:spPr>
+        <p:txBody>
+          <a:bodyPr vert="horz" lIns="91440" tIns="45720" rIns="91440" bIns="45720" rtlCol="0" anchor="b"/>
+          <a:lstStyle>
+            <a:lvl1pPr algn="l">
+              <a:defRPr sz="1200"/>
+            </a:lvl1pPr>
+          </a:lstStyle>
+          <a:p>
+            <a:endParaRPr lang="ru-RU"/>
+          </a:p>
+        </p:txBody>
+      </p:sp>
+      <p:sp>
+        <p:nvSpPr>
+          <p:cNvPr id="7" name="Номер слайда 6"/>
+          <p:cNvSpPr>
+            <a:spLocks noGrp="1"/>
+          </p:cNvSpPr>
+          <p:nvPr>
+            <p:ph type="sldNum" sz="quarter" idx="5"/>
+          </p:nvPr>
+        </p:nvSpPr>
+        <p:spPr>
+          <a:xfrm>
+            <a:off x="3884613" y="8685213"/>
+            <a:ext cx="2971800" cy="458787"/>
+          </a:xfrm>
+          <a:prstGeom prst="rect">
+            <a:avLst/>
+          </a:prstGeom>
+        </p:spPr>
+        <p:txBody>
+          <a:bodyPr vert="horz" lIns="91440" tIns="45720" rIns="91440" bIns="45720" rtlCol="0" anchor="b"/>
+          <a:lstStyle>
+            <a:lvl1pPr algn="r">
+              <a:defRPr sz="1200"/>
+            </a:lvl1pPr>
+          </a:lstStyle>
+          <a:p>
+            <a:fld id="{36C4A256-DB74-4A45-B867-D60A1D2F9F50}" type="slidenum">
+              <a:rPr lang="ru-RU" smtClean="0"/>
+              <a:t>‹#›</a:t>
+            </a:fld>
+            <a:endParaRPr lang="ru-RU"/>
+          </a:p>
+        </p:txBody>
+      </p:sp>
+    </p:spTree>
+    <p:extLst>
+      <p:ext uri="{BB962C8B-B14F-4D97-AF65-F5344CB8AC3E}">
+        <p14:creationId xmlns:p14="http://schemas.microsoft.com/office/powerpoint/2010/main" val="1098995630"/>
+      </p:ext>
+    </p:extLst>
+  </p:cSld>
+  <p:clrMap bg1="lt1" tx1="dk1" bg2="lt2" tx2="dk2" accent1="accent1" accent2="accent2" accent3="accent3" accent4="accent4" accent5="accent5" accent6="accent6" hlink="hlink" folHlink="folHlink"/>
+  <p:notesStyle>
+    <a:lvl1pPr marL="0" algn="l" defTabSz="914400" rtl="0" eaLnBrk="1" latinLnBrk="0" hangingPunct="1">
+      <a:defRPr sz="1200" kern="1200">
+        <a:solidFill>
+          <a:schemeClr val="tx1"/>
+        </a:solidFill>
+        <a:latin typeface="+mn-lt"/>
+        <a:ea typeface="+mn-ea"/>
+        <a:cs typeface="+mn-cs"/>
+      </a:defRPr>
+    </a:lvl1pPr>
+    <a:lvl2pPr marL="457200" algn="l" defTabSz="914400" rtl="0" eaLnBrk="1" latinLnBrk="0" hangingPunct="1">
+      <a:defRPr sz="1200" kern="1200">
+        <a:solidFill>
+          <a:schemeClr val="tx1"/>
+        </a:solidFill>
+        <a:latin typeface="+mn-lt"/>
+        <a:ea typeface="+mn-ea"/>
+        <a:cs typeface="+mn-cs"/>
+      </a:defRPr>
+    </a:lvl2pPr>
+    <a:lvl3pPr marL="914400" algn="l" defTabSz="914400" rtl="0" eaLnBrk="1" latinLnBrk="0" hangingPunct="1">
+      <a:defRPr sz="1200" kern="1200">
+        <a:solidFill>
+          <a:schemeClr val="tx1"/>
+        </a:solidFill>
+        <a:latin typeface="+mn-lt"/>
+        <a:ea typeface="+mn-ea"/>
+        <a:cs typeface="+mn-cs"/>
+      </a:defRPr>
+    </a:lvl3pPr>
+    <a:lvl4pPr marL="1371600" algn="l" defTabSz="914400" rtl="0" eaLnBrk="1" latinLnBrk="0" hangingPunct="1">
+      <a:defRPr sz="1200" kern="1200">
+        <a:solidFill>
+          <a:schemeClr val="tx1"/>
+        </a:solidFill>
+        <a:latin typeface="+mn-lt"/>
+        <a:ea typeface="+mn-ea"/>
+        <a:cs typeface="+mn-cs"/>
+      </a:defRPr>
+    </a:lvl4pPr>
+    <a:lvl5pPr marL="1828800" algn="l" defTabSz="914400" rtl="0" eaLnBrk="1" latinLnBrk="0" hangingPunct="1">
+      <a:defRPr sz="1200" kern="1200">
+        <a:solidFill>
+          <a:schemeClr val="tx1"/>
+        </a:solidFill>
+        <a:latin typeface="+mn-lt"/>
+        <a:ea typeface="+mn-ea"/>
+        <a:cs typeface="+mn-cs"/>
+      </a:defRPr>
+    </a:lvl5pPr>
+    <a:lvl6pPr marL="2286000" algn="l" defTabSz="914400" rtl="0" eaLnBrk="1" latinLnBrk="0" hangingPunct="1">
+      <a:defRPr sz="1200" kern="1200">
+        <a:solidFill>
+          <a:schemeClr val="tx1"/>
+        </a:solidFill>
+        <a:latin typeface="+mn-lt"/>
+        <a:ea typeface="+mn-ea"/>
+        <a:cs typeface="+mn-cs"/>
+      </a:defRPr>
+    </a:lvl6pPr>
+    <a:lvl7pPr marL="2743200" algn="l" defTabSz="914400" rtl="0" eaLnBrk="1" latinLnBrk="0" hangingPunct="1">
+      <a:defRPr sz="1200" kern="1200">
+        <a:solidFill>
+          <a:schemeClr val="tx1"/>
+        </a:solidFill>
+        <a:latin typeface="+mn-lt"/>
+        <a:ea typeface="+mn-ea"/>
+        <a:cs typeface="+mn-cs"/>
+      </a:defRPr>
+    </a:lvl7pPr>
+    <a:lvl8pPr marL="3200400" algn="l" defTabSz="914400" rtl="0" eaLnBrk="1" latinLnBrk="0" hangingPunct="1">
+      <a:defRPr sz="1200" kern="1200">
+        <a:solidFill>
+          <a:schemeClr val="tx1"/>
+        </a:solidFill>
+        <a:latin typeface="+mn-lt"/>
+        <a:ea typeface="+mn-ea"/>
+        <a:cs typeface="+mn-cs"/>
+      </a:defRPr>
+    </a:lvl8pPr>
+    <a:lvl9pPr marL="3657600" algn="l" defTabSz="914400" rtl="0" eaLnBrk="1" latinLnBrk="0" hangingPunct="1">
+      <a:defRPr sz="1200" kern="1200">
+        <a:solidFill>
+          <a:schemeClr val="tx1"/>
+        </a:solidFill>
+        <a:latin typeface="+mn-lt"/>
+        <a:ea typeface="+mn-ea"/>
+        <a:cs typeface="+mn-cs"/>
+      </a:defRPr>
+    </a:lvl9pPr>
+  </p:notesStyle>
+</p:notesMaster>
+</file>
+
+<file path=ppt/notesSlides/notesSlide1.xml><?xml version="1.0" encoding="utf-8"?>
+<p:notes xmlns:a="http://schemas.openxmlformats.org/drawingml/2006/main" xmlns:r="http://schemas.openxmlformats.org/officeDocument/2006/relationships" xmlns:p="http://schemas.openxmlformats.org/presentationml/2006/main">
+  <p:cSld>
+    <p:spTree>
+      <p:nvGrpSpPr>
+        <p:cNvPr id="1" name=""/>
+        <p:cNvGrpSpPr/>
+        <p:nvPr/>
+      </p:nvGrpSpPr>
+      <p:grpSpPr>
+        <a:xfrm>
+          <a:off x="0" y="0"/>
+          <a:ext cx="0" cy="0"/>
+          <a:chOff x="0" y="0"/>
+          <a:chExt cx="0" cy="0"/>
+        </a:xfrm>
+      </p:grpSpPr>
+      <p:sp>
+        <p:nvSpPr>
+          <p:cNvPr id="2" name="Образ слайда 1"/>
+          <p:cNvSpPr>
+            <a:spLocks noGrp="1" noRot="1" noChangeAspect="1"/>
+          </p:cNvSpPr>
+          <p:nvPr>
+            <p:ph type="sldImg"/>
+          </p:nvPr>
+        </p:nvSpPr>
+        <p:spPr/>
+      </p:sp>
+      <p:sp>
+        <p:nvSpPr>
+          <p:cNvPr id="3" name="Заметки 2"/>
+          <p:cNvSpPr>
+            <a:spLocks noGrp="1"/>
+          </p:cNvSpPr>
+          <p:nvPr>
+            <p:ph type="body" idx="1"/>
+          </p:nvPr>
+        </p:nvSpPr>
+        <p:spPr/>
+        <p:txBody>
+          <a:bodyPr/>
+          <a:lstStyle/>
+          <a:p>
+            <a:r>
+              <a:rPr lang="ru-RU" dirty="0"/>
+              <a:t>2. Чтение данных из конфигурационного файла, объявление необходимых переменных, инициализация списков</a:t>
+            </a:r>
+          </a:p>
+          <a:p>
+            <a:endParaRPr lang="ru-RU" dirty="0"/>
+          </a:p>
+        </p:txBody>
+      </p:sp>
+      <p:sp>
+        <p:nvSpPr>
+          <p:cNvPr id="4" name="Номер слайда 3"/>
+          <p:cNvSpPr>
+            <a:spLocks noGrp="1"/>
+          </p:cNvSpPr>
+          <p:nvPr>
+            <p:ph type="sldNum" sz="quarter" idx="5"/>
+          </p:nvPr>
+        </p:nvSpPr>
+        <p:spPr/>
+        <p:txBody>
+          <a:bodyPr/>
+          <a:lstStyle/>
+          <a:p>
+            <a:fld id="{36C4A256-DB74-4A45-B867-D60A1D2F9F50}" type="slidenum">
+              <a:rPr lang="ru-RU" smtClean="0"/>
+              <a:t>4</a:t>
+            </a:fld>
+            <a:endParaRPr lang="ru-RU"/>
+          </a:p>
+        </p:txBody>
+      </p:sp>
+    </p:spTree>
+    <p:extLst>
+      <p:ext uri="{BB962C8B-B14F-4D97-AF65-F5344CB8AC3E}">
+        <p14:creationId xmlns:p14="http://schemas.microsoft.com/office/powerpoint/2010/main" val="3795435092"/>
+      </p:ext>
+    </p:extLst>
+  </p:cSld>
+  <p:clrMapOvr>
+    <a:masterClrMapping/>
+  </p:clrMapOvr>
+</p:notes>
+</file>
+
 <file path=ppt/slideLayouts/slideLayout1.xml><?xml version="1.0" encoding="utf-8"?>
 <p:sldLayout xmlns:a="http://schemas.openxmlformats.org/drawingml/2006/main" xmlns:r="http://schemas.openxmlformats.org/officeDocument/2006/relationships" xmlns:p="http://schemas.openxmlformats.org/presentationml/2006/main" type="title" preserve="1">
   <p:cSld name="Титульный слайд">
@@ -347,7 +794,7 @@
             <a:fld id="{B61BEF0D-F0BB-DE4B-95CE-6DB70DBA9567}" type="datetimeFigureOut">
               <a:rPr lang="en-US" dirty="0"/>
               <a:pPr/>
-              <a:t>7/1/2022</a:t>
+              <a:t>7/3/2022</a:t>
             </a:fld>
             <a:endParaRPr lang="en-US" dirty="0"/>
           </a:p>
@@ -411,13 +858,13 @@
   <p:clrMapOvr>
     <a:overrideClrMapping bg1="dk1" tx1="lt1" bg2="dk2" tx2="lt2" accent1="accent1" accent2="accent2" accent3="accent3" accent4="accent4" accent5="accent5" accent6="accent6" hlink="hlink" folHlink="folHlink"/>
   </p:clrMapOvr>
-  <mc:AlternateContent xmlns:mc="http://schemas.openxmlformats.org/markup-compatibility/2006">
-    <mc:Choice xmlns:p159="http://schemas.microsoft.com/office/powerpoint/2015/09/main" Requires="p159">
+  <mc:AlternateContent xmlns:mc="http://schemas.openxmlformats.org/markup-compatibility/2006" xmlns:p159="http://schemas.microsoft.com/office/powerpoint/2015/09/main">
+    <mc:Choice Requires="p159">
       <p:transition spd="slow">
         <p159:morph option="byObject"/>
       </p:transition>
     </mc:Choice>
-    <mc:Fallback>
+    <mc:Fallback xmlns="">
       <p:transition spd="slow">
         <p:fade/>
       </p:transition>
@@ -690,7 +1137,7 @@
             <a:fld id="{B61BEF0D-F0BB-DE4B-95CE-6DB70DBA9567}" type="datetimeFigureOut">
               <a:rPr lang="en-US" dirty="0"/>
               <a:pPr/>
-              <a:t>7/1/2022</a:t>
+              <a:t>7/3/2022</a:t>
             </a:fld>
             <a:endParaRPr lang="en-US" dirty="0"/>
           </a:p>
@@ -744,13 +1191,13 @@
   <p:clrMapOvr>
     <a:masterClrMapping/>
   </p:clrMapOvr>
-  <mc:AlternateContent xmlns:mc="http://schemas.openxmlformats.org/markup-compatibility/2006">
-    <mc:Choice xmlns:p159="http://schemas.microsoft.com/office/powerpoint/2015/09/main" Requires="p159">
+  <mc:AlternateContent xmlns:mc="http://schemas.openxmlformats.org/markup-compatibility/2006" xmlns:p159="http://schemas.microsoft.com/office/powerpoint/2015/09/main">
+    <mc:Choice Requires="p159">
       <p:transition spd="slow">
         <p159:morph option="byObject"/>
       </p:transition>
     </mc:Choice>
-    <mc:Fallback>
+    <mc:Fallback xmlns="">
       <p:transition spd="slow">
         <p:fade/>
       </p:transition>
@@ -977,7 +1424,7 @@
             <a:fld id="{B61BEF0D-F0BB-DE4B-95CE-6DB70DBA9567}" type="datetimeFigureOut">
               <a:rPr lang="en-US" dirty="0"/>
               <a:pPr/>
-              <a:t>7/1/2022</a:t>
+              <a:t>7/3/2022</a:t>
             </a:fld>
             <a:endParaRPr lang="en-US" dirty="0"/>
           </a:p>
@@ -1031,13 +1478,13 @@
   <p:clrMapOvr>
     <a:masterClrMapping/>
   </p:clrMapOvr>
-  <mc:AlternateContent xmlns:mc="http://schemas.openxmlformats.org/markup-compatibility/2006">
-    <mc:Choice xmlns:p159="http://schemas.microsoft.com/office/powerpoint/2015/09/main" Requires="p159">
+  <mc:AlternateContent xmlns:mc="http://schemas.openxmlformats.org/markup-compatibility/2006" xmlns:p159="http://schemas.microsoft.com/office/powerpoint/2015/09/main">
+    <mc:Choice Requires="p159">
       <p:transition spd="slow">
         <p159:morph option="byObject"/>
       </p:transition>
     </mc:Choice>
-    <mc:Fallback>
+    <mc:Fallback xmlns="">
       <p:transition spd="slow">
         <p:fade/>
       </p:transition>
@@ -1554,7 +2001,7 @@
             <a:fld id="{B61BEF0D-F0BB-DE4B-95CE-6DB70DBA9567}" type="datetimeFigureOut">
               <a:rPr lang="en-US" dirty="0"/>
               <a:pPr/>
-              <a:t>7/1/2022</a:t>
+              <a:t>7/3/2022</a:t>
             </a:fld>
             <a:endParaRPr lang="en-US" dirty="0"/>
           </a:p>
@@ -1608,13 +2055,13 @@
   <p:clrMapOvr>
     <a:masterClrMapping/>
   </p:clrMapOvr>
-  <mc:AlternateContent xmlns:mc="http://schemas.openxmlformats.org/markup-compatibility/2006">
-    <mc:Choice xmlns:p159="http://schemas.microsoft.com/office/powerpoint/2015/09/main" Requires="p159">
+  <mc:AlternateContent xmlns:mc="http://schemas.openxmlformats.org/markup-compatibility/2006" xmlns:p159="http://schemas.microsoft.com/office/powerpoint/2015/09/main">
+    <mc:Choice Requires="p159">
       <p:transition spd="slow">
         <p159:morph option="byObject"/>
       </p:transition>
     </mc:Choice>
-    <mc:Fallback>
+    <mc:Fallback xmlns="">
       <p:transition spd="slow">
         <p:fade/>
       </p:transition>
@@ -1841,7 +2288,7 @@
             <a:fld id="{B61BEF0D-F0BB-DE4B-95CE-6DB70DBA9567}" type="datetimeFigureOut">
               <a:rPr lang="en-US" dirty="0"/>
               <a:pPr/>
-              <a:t>7/1/2022</a:t>
+              <a:t>7/3/2022</a:t>
             </a:fld>
             <a:endParaRPr lang="en-US" dirty="0"/>
           </a:p>
@@ -1895,13 +2342,13 @@
   <p:clrMapOvr>
     <a:masterClrMapping/>
   </p:clrMapOvr>
-  <mc:AlternateContent xmlns:mc="http://schemas.openxmlformats.org/markup-compatibility/2006">
-    <mc:Choice xmlns:p159="http://schemas.microsoft.com/office/powerpoint/2015/09/main" Requires="p159">
+  <mc:AlternateContent xmlns:mc="http://schemas.openxmlformats.org/markup-compatibility/2006" xmlns:p159="http://schemas.microsoft.com/office/powerpoint/2015/09/main">
+    <mc:Choice Requires="p159">
       <p:transition spd="slow">
         <p159:morph option="byObject"/>
       </p:transition>
     </mc:Choice>
-    <mc:Fallback>
+    <mc:Fallback xmlns="">
       <p:transition spd="slow">
         <p:fade/>
       </p:transition>
@@ -2412,7 +2859,7 @@
             <a:fld id="{B61BEF0D-F0BB-DE4B-95CE-6DB70DBA9567}" type="datetimeFigureOut">
               <a:rPr lang="en-US" dirty="0"/>
               <a:pPr/>
-              <a:t>7/1/2022</a:t>
+              <a:t>7/3/2022</a:t>
             </a:fld>
             <a:endParaRPr lang="en-US" dirty="0"/>
           </a:p>
@@ -2466,13 +2913,13 @@
   <p:clrMapOvr>
     <a:masterClrMapping/>
   </p:clrMapOvr>
-  <mc:AlternateContent xmlns:mc="http://schemas.openxmlformats.org/markup-compatibility/2006">
-    <mc:Choice xmlns:p159="http://schemas.microsoft.com/office/powerpoint/2015/09/main" Requires="p159">
+  <mc:AlternateContent xmlns:mc="http://schemas.openxmlformats.org/markup-compatibility/2006" xmlns:p159="http://schemas.microsoft.com/office/powerpoint/2015/09/main">
+    <mc:Choice Requires="p159">
       <p:transition spd="slow">
         <p159:morph option="byObject"/>
       </p:transition>
     </mc:Choice>
-    <mc:Fallback>
+    <mc:Fallback xmlns="">
       <p:transition spd="slow">
         <p:fade/>
       </p:transition>
@@ -2748,7 +3195,7 @@
             <a:fld id="{B61BEF0D-F0BB-DE4B-95CE-6DB70DBA9567}" type="datetimeFigureOut">
               <a:rPr lang="en-US" dirty="0"/>
               <a:pPr/>
-              <a:t>7/1/2022</a:t>
+              <a:t>7/3/2022</a:t>
             </a:fld>
             <a:endParaRPr lang="en-US" dirty="0"/>
           </a:p>
@@ -2802,13 +3249,13 @@
   <p:clrMapOvr>
     <a:masterClrMapping/>
   </p:clrMapOvr>
-  <mc:AlternateContent xmlns:mc="http://schemas.openxmlformats.org/markup-compatibility/2006">
-    <mc:Choice xmlns:p159="http://schemas.microsoft.com/office/powerpoint/2015/09/main" Requires="p159">
+  <mc:AlternateContent xmlns:mc="http://schemas.openxmlformats.org/markup-compatibility/2006" xmlns:p159="http://schemas.microsoft.com/office/powerpoint/2015/09/main">
+    <mc:Choice Requires="p159">
       <p:transition spd="slow">
         <p159:morph option="byObject"/>
       </p:transition>
     </mc:Choice>
-    <mc:Fallback>
+    <mc:Fallback xmlns="">
       <p:transition spd="slow">
         <p:fade/>
       </p:transition>
@@ -2934,7 +3381,7 @@
             <a:fld id="{B61BEF0D-F0BB-DE4B-95CE-6DB70DBA9567}" type="datetimeFigureOut">
               <a:rPr lang="en-US" dirty="0"/>
               <a:pPr/>
-              <a:t>7/1/2022</a:t>
+              <a:t>7/3/2022</a:t>
             </a:fld>
             <a:endParaRPr lang="en-US" dirty="0"/>
           </a:p>
@@ -3016,13 +3463,13 @@
   <p:clrMapOvr>
     <a:masterClrMapping/>
   </p:clrMapOvr>
-  <mc:AlternateContent xmlns:mc="http://schemas.openxmlformats.org/markup-compatibility/2006">
-    <mc:Choice xmlns:p159="http://schemas.microsoft.com/office/powerpoint/2015/09/main" Requires="p159">
+  <mc:AlternateContent xmlns:mc="http://schemas.openxmlformats.org/markup-compatibility/2006" xmlns:p159="http://schemas.microsoft.com/office/powerpoint/2015/09/main">
+    <mc:Choice Requires="p159">
       <p:transition spd="slow">
         <p159:morph option="byObject"/>
       </p:transition>
     </mc:Choice>
-    <mc:Fallback>
+    <mc:Fallback xmlns="">
       <p:transition spd="slow">
         <p:fade/>
       </p:transition>
@@ -3181,7 +3628,7 @@
             <a:fld id="{B61BEF0D-F0BB-DE4B-95CE-6DB70DBA9567}" type="datetimeFigureOut">
               <a:rPr lang="en-US" dirty="0"/>
               <a:pPr/>
-              <a:t>7/1/2022</a:t>
+              <a:t>7/3/2022</a:t>
             </a:fld>
             <a:endParaRPr lang="en-US" dirty="0"/>
           </a:p>
@@ -3235,13 +3682,13 @@
   <p:clrMapOvr>
     <a:masterClrMapping/>
   </p:clrMapOvr>
-  <mc:AlternateContent xmlns:mc="http://schemas.openxmlformats.org/markup-compatibility/2006">
-    <mc:Choice xmlns:p159="http://schemas.microsoft.com/office/powerpoint/2015/09/main" Requires="p159">
+  <mc:AlternateContent xmlns:mc="http://schemas.openxmlformats.org/markup-compatibility/2006" xmlns:p159="http://schemas.microsoft.com/office/powerpoint/2015/09/main">
+    <mc:Choice Requires="p159">
       <p:transition spd="slow">
         <p159:morph option="byObject"/>
       </p:transition>
     </mc:Choice>
-    <mc:Fallback>
+    <mc:Fallback xmlns="">
       <p:transition spd="slow">
         <p:fade/>
       </p:transition>
@@ -3390,7 +3837,7 @@
             <a:fld id="{B61BEF0D-F0BB-DE4B-95CE-6DB70DBA9567}" type="datetimeFigureOut">
               <a:rPr lang="en-US" dirty="0"/>
               <a:pPr/>
-              <a:t>7/1/2022</a:t>
+              <a:t>7/3/2022</a:t>
             </a:fld>
             <a:endParaRPr lang="en-US" dirty="0"/>
           </a:p>
@@ -3444,13 +3891,13 @@
   <p:clrMapOvr>
     <a:masterClrMapping/>
   </p:clrMapOvr>
-  <mc:AlternateContent xmlns:mc="http://schemas.openxmlformats.org/markup-compatibility/2006">
-    <mc:Choice xmlns:p159="http://schemas.microsoft.com/office/powerpoint/2015/09/main" Requires="p159">
+  <mc:AlternateContent xmlns:mc="http://schemas.openxmlformats.org/markup-compatibility/2006" xmlns:p159="http://schemas.microsoft.com/office/powerpoint/2015/09/main">
+    <mc:Choice Requires="p159">
       <p:transition spd="slow">
         <p159:morph option="byObject"/>
       </p:transition>
     </mc:Choice>
-    <mc:Fallback>
+    <mc:Fallback xmlns="">
       <p:transition spd="slow">
         <p:fade/>
       </p:transition>
@@ -3675,7 +4122,7 @@
             <a:fld id="{B61BEF0D-F0BB-DE4B-95CE-6DB70DBA9567}" type="datetimeFigureOut">
               <a:rPr lang="en-US" dirty="0"/>
               <a:pPr/>
-              <a:t>7/1/2022</a:t>
+              <a:t>7/3/2022</a:t>
             </a:fld>
             <a:endParaRPr lang="en-US" dirty="0"/>
           </a:p>
@@ -3729,13 +4176,13 @@
   <p:clrMapOvr>
     <a:masterClrMapping/>
   </p:clrMapOvr>
-  <mc:AlternateContent xmlns:mc="http://schemas.openxmlformats.org/markup-compatibility/2006">
-    <mc:Choice xmlns:p159="http://schemas.microsoft.com/office/powerpoint/2015/09/main" Requires="p159">
+  <mc:AlternateContent xmlns:mc="http://schemas.openxmlformats.org/markup-compatibility/2006" xmlns:p159="http://schemas.microsoft.com/office/powerpoint/2015/09/main">
+    <mc:Choice Requires="p159">
       <p:transition spd="slow">
         <p159:morph option="byObject"/>
       </p:transition>
     </mc:Choice>
-    <mc:Fallback>
+    <mc:Fallback xmlns="">
       <p:transition spd="slow">
         <p:fade/>
       </p:transition>
@@ -3950,7 +4397,7 @@
             <a:fld id="{B61BEF0D-F0BB-DE4B-95CE-6DB70DBA9567}" type="datetimeFigureOut">
               <a:rPr lang="en-US" dirty="0"/>
               <a:pPr/>
-              <a:t>7/1/2022</a:t>
+              <a:t>7/3/2022</a:t>
             </a:fld>
             <a:endParaRPr lang="en-US" dirty="0"/>
           </a:p>
@@ -4004,13 +4451,13 @@
   <p:clrMapOvr>
     <a:masterClrMapping/>
   </p:clrMapOvr>
-  <mc:AlternateContent xmlns:mc="http://schemas.openxmlformats.org/markup-compatibility/2006">
-    <mc:Choice xmlns:p159="http://schemas.microsoft.com/office/powerpoint/2015/09/main" Requires="p159">
+  <mc:AlternateContent xmlns:mc="http://schemas.openxmlformats.org/markup-compatibility/2006" xmlns:p159="http://schemas.microsoft.com/office/powerpoint/2015/09/main">
+    <mc:Choice Requires="p159">
       <p:transition spd="slow">
         <p159:morph option="byObject"/>
       </p:transition>
     </mc:Choice>
-    <mc:Fallback>
+    <mc:Fallback xmlns="">
       <p:transition spd="slow">
         <p:fade/>
       </p:transition>
@@ -4333,7 +4780,7 @@
             <a:fld id="{B61BEF0D-F0BB-DE4B-95CE-6DB70DBA9567}" type="datetimeFigureOut">
               <a:rPr lang="en-US" dirty="0"/>
               <a:pPr/>
-              <a:t>7/1/2022</a:t>
+              <a:t>7/3/2022</a:t>
             </a:fld>
             <a:endParaRPr lang="en-US" dirty="0"/>
           </a:p>
@@ -4387,13 +4834,13 @@
   <p:clrMapOvr>
     <a:masterClrMapping/>
   </p:clrMapOvr>
-  <mc:AlternateContent xmlns:mc="http://schemas.openxmlformats.org/markup-compatibility/2006">
-    <mc:Choice xmlns:p159="http://schemas.microsoft.com/office/powerpoint/2015/09/main" Requires="p159">
+  <mc:AlternateContent xmlns:mc="http://schemas.openxmlformats.org/markup-compatibility/2006" xmlns:p159="http://schemas.microsoft.com/office/powerpoint/2015/09/main">
+    <mc:Choice Requires="p159">
       <p:transition spd="slow">
         <p159:morph option="byObject"/>
       </p:transition>
     </mc:Choice>
-    <mc:Fallback>
+    <mc:Fallback xmlns="">
       <p:transition spd="slow">
         <p:fade/>
       </p:transition>
@@ -4490,7 +4937,7 @@
             <a:fld id="{B61BEF0D-F0BB-DE4B-95CE-6DB70DBA9567}" type="datetimeFigureOut">
               <a:rPr lang="en-US" dirty="0"/>
               <a:pPr/>
-              <a:t>7/1/2022</a:t>
+              <a:t>7/3/2022</a:t>
             </a:fld>
             <a:endParaRPr lang="en-US" dirty="0"/>
           </a:p>
@@ -4544,13 +4991,13 @@
   <p:clrMapOvr>
     <a:masterClrMapping/>
   </p:clrMapOvr>
-  <mc:AlternateContent xmlns:mc="http://schemas.openxmlformats.org/markup-compatibility/2006">
-    <mc:Choice xmlns:p159="http://schemas.microsoft.com/office/powerpoint/2015/09/main" Requires="p159">
+  <mc:AlternateContent xmlns:mc="http://schemas.openxmlformats.org/markup-compatibility/2006" xmlns:p159="http://schemas.microsoft.com/office/powerpoint/2015/09/main">
+    <mc:Choice Requires="p159">
       <p:transition spd="slow">
         <p159:morph option="byObject"/>
       </p:transition>
     </mc:Choice>
-    <mc:Fallback>
+    <mc:Fallback xmlns="">
       <p:transition spd="slow">
         <p:fade/>
       </p:transition>
@@ -4624,7 +5071,7 @@
             <a:fld id="{B61BEF0D-F0BB-DE4B-95CE-6DB70DBA9567}" type="datetimeFigureOut">
               <a:rPr lang="en-US" dirty="0"/>
               <a:pPr/>
-              <a:t>7/1/2022</a:t>
+              <a:t>7/3/2022</a:t>
             </a:fld>
             <a:endParaRPr lang="en-US" dirty="0"/>
           </a:p>
@@ -4678,13 +5125,13 @@
   <p:clrMapOvr>
     <a:masterClrMapping/>
   </p:clrMapOvr>
-  <mc:AlternateContent xmlns:mc="http://schemas.openxmlformats.org/markup-compatibility/2006">
-    <mc:Choice xmlns:p159="http://schemas.microsoft.com/office/powerpoint/2015/09/main" Requires="p159">
+  <mc:AlternateContent xmlns:mc="http://schemas.openxmlformats.org/markup-compatibility/2006" xmlns:p159="http://schemas.microsoft.com/office/powerpoint/2015/09/main">
+    <mc:Choice Requires="p159">
       <p:transition spd="slow">
         <p159:morph option="byObject"/>
       </p:transition>
     </mc:Choice>
-    <mc:Fallback>
+    <mc:Fallback xmlns="">
       <p:transition spd="slow">
         <p:fade/>
       </p:transition>
@@ -4918,7 +5365,7 @@
             <a:fld id="{B61BEF0D-F0BB-DE4B-95CE-6DB70DBA9567}" type="datetimeFigureOut">
               <a:rPr lang="en-US" dirty="0"/>
               <a:pPr/>
-              <a:t>7/1/2022</a:t>
+              <a:t>7/3/2022</a:t>
             </a:fld>
             <a:endParaRPr lang="en-US" dirty="0"/>
           </a:p>
@@ -4972,13 +5419,13 @@
   <p:clrMapOvr>
     <a:masterClrMapping/>
   </p:clrMapOvr>
-  <mc:AlternateContent xmlns:mc="http://schemas.openxmlformats.org/markup-compatibility/2006">
-    <mc:Choice xmlns:p159="http://schemas.microsoft.com/office/powerpoint/2015/09/main" Requires="p159">
+  <mc:AlternateContent xmlns:mc="http://schemas.openxmlformats.org/markup-compatibility/2006" xmlns:p159="http://schemas.microsoft.com/office/powerpoint/2015/09/main">
+    <mc:Choice Requires="p159">
       <p:transition spd="slow">
         <p159:morph option="byObject"/>
       </p:transition>
     </mc:Choice>
-    <mc:Fallback>
+    <mc:Fallback xmlns="">
       <p:transition spd="slow">
         <p:fade/>
       </p:transition>
@@ -5251,7 +5698,7 @@
             <a:fld id="{B61BEF0D-F0BB-DE4B-95CE-6DB70DBA9567}" type="datetimeFigureOut">
               <a:rPr lang="en-US" dirty="0"/>
               <a:pPr/>
-              <a:t>7/1/2022</a:t>
+              <a:t>7/3/2022</a:t>
             </a:fld>
             <a:endParaRPr lang="en-US" dirty="0"/>
           </a:p>
@@ -5305,13 +5752,13 @@
   <p:clrMapOvr>
     <a:masterClrMapping/>
   </p:clrMapOvr>
-  <mc:AlternateContent xmlns:mc="http://schemas.openxmlformats.org/markup-compatibility/2006">
-    <mc:Choice xmlns:p159="http://schemas.microsoft.com/office/powerpoint/2015/09/main" Requires="p159">
+  <mc:AlternateContent xmlns:mc="http://schemas.openxmlformats.org/markup-compatibility/2006" xmlns:p159="http://schemas.microsoft.com/office/powerpoint/2015/09/main">
+    <mc:Choice Requires="p159">
       <p:transition spd="slow">
         <p159:morph option="byObject"/>
       </p:transition>
     </mc:Choice>
-    <mc:Fallback>
+    <mc:Fallback xmlns="">
       <p:transition spd="slow">
         <p:fade/>
       </p:transition>
@@ -5474,7 +5921,7 @@
             <a:fld id="{B61BEF0D-F0BB-DE4B-95CE-6DB70DBA9567}" type="datetimeFigureOut">
               <a:rPr lang="en-US" dirty="0"/>
               <a:pPr/>
-              <a:t>7/1/2022</a:t>
+              <a:t>7/3/2022</a:t>
             </a:fld>
             <a:endParaRPr lang="en-US" dirty="0"/>
           </a:p>
@@ -5581,13 +6028,13 @@
     <p:sldLayoutId id="2147483658" r:id="rId16"/>
     <p:sldLayoutId id="2147483659" r:id="rId17"/>
   </p:sldLayoutIdLst>
-  <mc:AlternateContent xmlns:mc="http://schemas.openxmlformats.org/markup-compatibility/2006">
-    <mc:Choice xmlns:p159="http://schemas.microsoft.com/office/powerpoint/2015/09/main" Requires="p159">
+  <mc:AlternateContent xmlns:mc="http://schemas.openxmlformats.org/markup-compatibility/2006" xmlns:p159="http://schemas.microsoft.com/office/powerpoint/2015/09/main">
+    <mc:Choice Requires="p159">
       <p:transition spd="slow">
         <p159:morph option="byObject"/>
       </p:transition>
     </mc:Choice>
-    <mc:Fallback>
+    <mc:Fallback xmlns="">
       <p:transition spd="slow">
         <p:fade/>
       </p:transition>
@@ -6095,14 +6542,14 @@
   <p:clrMapOvr>
     <a:masterClrMapping/>
   </p:clrMapOvr>
-  <mc:AlternateContent xmlns:mc="http://schemas.openxmlformats.org/markup-compatibility/2006">
-    <mc:Choice xmlns:p14="http://schemas.microsoft.com/office/powerpoint/2010/main" Requires="p14">
-      <p:transition spd="slow" p14:dur="1600">
+  <mc:AlternateContent xmlns:mc="http://schemas.openxmlformats.org/markup-compatibility/2006" xmlns:p14="http://schemas.microsoft.com/office/powerpoint/2010/main">
+    <mc:Choice Requires="p14">
+      <p:transition spd="med">
         <p14:prism isContent="1" isInverted="1"/>
       </p:transition>
     </mc:Choice>
-    <mc:Fallback>
-      <p:transition spd="slow">
+    <mc:Fallback xmlns="">
+      <p:transition spd="med">
         <p:fade/>
       </p:transition>
     </mc:Fallback>
@@ -6110,7 +6557,7 @@
 </p:sld>
 </file>
 
-<file path=ppt/slides/slide2.xml><?xml version="1.0" encoding="utf-8"?>
+<file path=ppt/slides/slide10.xml><?xml version="1.0" encoding="utf-8"?>
 <p:sld xmlns:a="http://schemas.openxmlformats.org/drawingml/2006/main" xmlns:r="http://schemas.openxmlformats.org/officeDocument/2006/relationships" xmlns:p="http://schemas.openxmlformats.org/presentationml/2006/main">
   <p:cSld>
     <p:spTree>
@@ -6132,7 +6579,7 @@
           <p:cNvPr id="2" name="Заголовок 1">
             <a:extLst>
               <a:ext uri="{FF2B5EF4-FFF2-40B4-BE49-F238E27FC236}">
-                <a16:creationId xmlns:a16="http://schemas.microsoft.com/office/drawing/2014/main" id="{C2AB3493-F600-4108-8153-1B39389936D0}"/>
+                <a16:creationId xmlns:a16="http://schemas.microsoft.com/office/drawing/2014/main" id="{F746A8EA-8913-4526-B810-A71883B4AB54}"/>
               </a:ext>
             </a:extLst>
           </p:cNvPr>
@@ -6143,14 +6590,19 @@
             <p:ph type="title"/>
           </p:nvPr>
         </p:nvSpPr>
-        <p:spPr/>
+        <p:spPr>
+          <a:xfrm>
+            <a:off x="685801" y="0"/>
+            <a:ext cx="10131425" cy="1456267"/>
+          </a:xfrm>
+        </p:spPr>
         <p:txBody>
           <a:bodyPr/>
           <a:lstStyle/>
           <a:p>
             <a:r>
               <a:rPr lang="ru-RU" dirty="0"/>
-              <a:t>Цель</a:t>
+              <a:t>Источники информации</a:t>
             </a:r>
           </a:p>
         </p:txBody>
@@ -6160,7 +6612,7 @@
           <p:cNvPr id="3" name="Объект 2">
             <a:extLst>
               <a:ext uri="{FF2B5EF4-FFF2-40B4-BE49-F238E27FC236}">
-                <a16:creationId xmlns:a16="http://schemas.microsoft.com/office/drawing/2014/main" id="{A283A73D-46E7-4BF5-BA9D-2B434579E63F}"/>
+                <a16:creationId xmlns:a16="http://schemas.microsoft.com/office/drawing/2014/main" id="{63675674-6705-402A-8909-DCBD3CBBA15C}"/>
               </a:ext>
             </a:extLst>
           </p:cNvPr>
@@ -6171,36 +6623,301 @@
             <p:ph idx="1"/>
           </p:nvPr>
         </p:nvSpPr>
-        <p:spPr/>
-        <p:txBody>
-          <a:bodyPr/>
+        <p:spPr>
+          <a:xfrm>
+            <a:off x="685801" y="1147313"/>
+            <a:ext cx="10131425" cy="4977442"/>
+          </a:xfrm>
+        </p:spPr>
+        <p:txBody>
+          <a:bodyPr>
+            <a:noAutofit/>
+          </a:bodyPr>
           <a:lstStyle/>
           <a:p>
-            <a:r>
-              <a:rPr lang="ru-RU" dirty="0"/>
-              <a:t>Самостоятельно написать программу, выполняющую моделирование двойной звёздной системы</a:t>
-            </a:r>
+            <a:pPr>
+              <a:spcAft>
+                <a:spcPts val="1200"/>
+              </a:spcAft>
+              <a:buFont typeface="+mj-lt"/>
+              <a:buAutoNum type="arabicPeriod"/>
+            </a:pPr>
+            <a:r>
+              <a:rPr lang="en-US" sz="2000" b="0" i="0" u="none" strike="noStrike" dirty="0">
+                <a:solidFill>
+                  <a:srgbClr val="BCB7AE"/>
+                </a:solidFill>
+                <a:effectLst/>
+                <a:hlinkClick r:id="rId2"/>
+              </a:rPr>
+              <a:t>http://crydee.sai.msu.ru/ak4/Chapt_11_3_154.htm</a:t>
+            </a:r>
+            <a:r>
+              <a:rPr lang="en-US" sz="2000" dirty="0"/>
+              <a:t> - </a:t>
+            </a:r>
+            <a:r>
+              <a:rPr lang="ru-RU" sz="2000" dirty="0"/>
+              <a:t>статья из электронной библиотеки ГАИШ "§ 154. Общие характеристики двойных систем"</a:t>
+            </a:r>
+          </a:p>
+          <a:p>
+            <a:pPr>
+              <a:spcAft>
+                <a:spcPts val="1200"/>
+              </a:spcAft>
+              <a:buFont typeface="+mj-lt"/>
+              <a:buAutoNum type="arabicPeriod"/>
+            </a:pPr>
+            <a:r>
+              <a:rPr lang="en-US" sz="2000" b="0" i="0" u="none" strike="noStrike" dirty="0">
+                <a:solidFill>
+                  <a:srgbClr val="BCB7AE"/>
+                </a:solidFill>
+                <a:effectLst/>
+                <a:hlinkClick r:id="rId3"/>
+              </a:rPr>
+              <a:t>https://forum.sources.ru/index.php?showtopic=9381</a:t>
+            </a:r>
+            <a:r>
+              <a:rPr lang="en-US" sz="2000" dirty="0"/>
+              <a:t> - </a:t>
+            </a:r>
+            <a:r>
+              <a:rPr lang="ru-RU" sz="2000" dirty="0"/>
+              <a:t>тема с форума </a:t>
+            </a:r>
+            <a:r>
+              <a:rPr lang="en-US" sz="2000" dirty="0" err="1"/>
+              <a:t>Sources.Ru</a:t>
+            </a:r>
+            <a:r>
+              <a:rPr lang="en-US" sz="2000" dirty="0"/>
+              <a:t> (</a:t>
+            </a:r>
+            <a:r>
+              <a:rPr lang="ru-RU" sz="2000" dirty="0"/>
+              <a:t>задача о пересечении двух кругов)</a:t>
+            </a:r>
+          </a:p>
+          <a:p>
+            <a:pPr algn="l">
+              <a:spcAft>
+                <a:spcPts val="1200"/>
+              </a:spcAft>
+              <a:buFont typeface="+mj-lt"/>
+              <a:buAutoNum type="arabicPeriod"/>
+            </a:pPr>
+            <a:r>
+              <a:rPr lang="en-US" sz="2000" b="0" i="0" u="none" strike="noStrike" dirty="0">
+                <a:solidFill>
+                  <a:srgbClr val="BCB7AE"/>
+                </a:solidFill>
+                <a:effectLst/>
+                <a:hlinkClick r:id="rId4"/>
+              </a:rPr>
+              <a:t>https://ru.wikipedia.org/wiki/</a:t>
+            </a:r>
+            <a:r>
+              <a:rPr lang="ru-RU" sz="2000" b="0" i="0" u="none" strike="noStrike" dirty="0" err="1">
+                <a:solidFill>
+                  <a:srgbClr val="BCB7AE"/>
+                </a:solidFill>
+                <a:effectLst/>
+                <a:hlinkClick r:id="rId4"/>
+              </a:rPr>
+              <a:t>Уравнение_Кеплера#Приближённые_методы</a:t>
+            </a:r>
+            <a:endParaRPr lang="ru-RU" sz="2000" b="0" i="0" dirty="0">
+              <a:solidFill>
+                <a:srgbClr val="BCB7AE"/>
+              </a:solidFill>
+              <a:effectLst/>
+            </a:endParaRPr>
+          </a:p>
+          <a:p>
+            <a:pPr algn="l">
+              <a:spcAft>
+                <a:spcPts val="1200"/>
+              </a:spcAft>
+              <a:buFont typeface="+mj-lt"/>
+              <a:buAutoNum type="arabicPeriod"/>
+            </a:pPr>
+            <a:r>
+              <a:rPr lang="ru-RU" sz="2000" b="0" i="0" dirty="0">
+                <a:effectLst/>
+              </a:rPr>
+              <a:t>Официальная документация к библиотеке </a:t>
+            </a:r>
+            <a:r>
+              <a:rPr lang="en-US" sz="2000" b="0" i="0" dirty="0">
+                <a:effectLst/>
+              </a:rPr>
+              <a:t>matplotlib</a:t>
+            </a:r>
+          </a:p>
+          <a:p>
+            <a:pPr algn="l">
+              <a:spcAft>
+                <a:spcPts val="1200"/>
+              </a:spcAft>
+              <a:buFont typeface="+mj-lt"/>
+              <a:buAutoNum type="arabicPeriod"/>
+            </a:pPr>
+            <a:r>
+              <a:rPr lang="ru-RU" sz="2000" b="0" i="0" dirty="0">
+                <a:effectLst/>
+              </a:rPr>
+              <a:t>Обсуждения на форуме </a:t>
+            </a:r>
+            <a:r>
+              <a:rPr lang="en-US" sz="2000" b="0" i="0" dirty="0" err="1">
+                <a:effectLst/>
+              </a:rPr>
+              <a:t>StackOverflow</a:t>
+            </a:r>
+            <a:r>
+              <a:rPr lang="en-US" sz="2000" b="0" i="0" dirty="0">
+                <a:effectLst/>
+              </a:rPr>
+              <a:t> (</a:t>
+            </a:r>
+            <a:r>
+              <a:rPr lang="ru-RU" sz="2000" b="0" i="0" dirty="0">
+                <a:effectLst/>
+              </a:rPr>
+              <a:t>настройка </a:t>
+            </a:r>
+            <a:r>
+              <a:rPr lang="en-US" sz="2000" b="0" i="0" dirty="0">
+                <a:effectLst/>
+              </a:rPr>
+              <a:t>matplotlib)</a:t>
+            </a:r>
+          </a:p>
+          <a:p>
+            <a:pPr algn="l">
+              <a:spcAft>
+                <a:spcPts val="1200"/>
+              </a:spcAft>
+              <a:buFont typeface="+mj-lt"/>
+              <a:buAutoNum type="arabicPeriod"/>
+            </a:pPr>
+            <a:r>
+              <a:rPr lang="ru-RU" sz="2000" b="0" i="0" dirty="0">
+                <a:effectLst/>
+              </a:rPr>
+              <a:t>Обсуждения на форуме </a:t>
+            </a:r>
+            <a:r>
+              <a:rPr lang="en-US" sz="2000" b="0" i="0" dirty="0" err="1">
+                <a:effectLst/>
+              </a:rPr>
+              <a:t>OverCoder</a:t>
+            </a:r>
+            <a:r>
+              <a:rPr lang="en-US" sz="2000" b="0" i="0" dirty="0">
+                <a:effectLst/>
+              </a:rPr>
+              <a:t> (</a:t>
+            </a:r>
+            <a:r>
+              <a:rPr lang="ru-RU" sz="2000" b="0" i="0" dirty="0">
+                <a:effectLst/>
+              </a:rPr>
+              <a:t>настройка </a:t>
+            </a:r>
+            <a:r>
+              <a:rPr lang="en-US" sz="2000" b="0" i="0" dirty="0">
+                <a:effectLst/>
+              </a:rPr>
+              <a:t>matplotlib)</a:t>
+            </a:r>
+          </a:p>
+          <a:p>
+            <a:pPr>
+              <a:spcAft>
+                <a:spcPts val="1200"/>
+              </a:spcAft>
+              <a:buFont typeface="+mj-lt"/>
+              <a:buAutoNum type="arabicPeriod"/>
+            </a:pPr>
+            <a:r>
+              <a:rPr lang="en-US" sz="2000" b="0" i="0" u="none" strike="noStrike" dirty="0">
+                <a:solidFill>
+                  <a:srgbClr val="BCB7AE"/>
+                </a:solidFill>
+                <a:effectLst/>
+                <a:hlinkClick r:id="rId5"/>
+              </a:rPr>
+              <a:t>https://www.geeksforgeeks.org/how-to-implement-linear-interpolation-in-python/amp/</a:t>
+            </a:r>
+            <a:r>
+              <a:rPr lang="en-US" sz="2000" dirty="0"/>
+              <a:t> - </a:t>
+            </a:r>
+            <a:r>
+              <a:rPr lang="ru-RU" sz="2000" dirty="0"/>
+              <a:t>учебный материал с портала </a:t>
+            </a:r>
+            <a:r>
+              <a:rPr lang="en-US" sz="2000" dirty="0" err="1"/>
+              <a:t>GeeksForGeeks</a:t>
+            </a:r>
+            <a:r>
+              <a:rPr lang="en-US" sz="2000" dirty="0"/>
+              <a:t> "How to implement linear interpolation in Python</a:t>
+            </a:r>
+            <a:endParaRPr lang="ru-RU" sz="2000" dirty="0"/>
+          </a:p>
+          <a:p>
+            <a:pPr marL="0" indent="0" algn="l">
+              <a:spcAft>
+                <a:spcPts val="1200"/>
+              </a:spcAft>
+              <a:buNone/>
+            </a:pPr>
+            <a:r>
+              <a:rPr lang="ru-RU" sz="2000" dirty="0"/>
+              <a:t>Подробнее см. </a:t>
+            </a:r>
+            <a:r>
+              <a:rPr lang="ru-RU" sz="2000" b="0" i="0" dirty="0">
+                <a:solidFill>
+                  <a:srgbClr val="BCB7AE"/>
+                </a:solidFill>
+                <a:effectLst/>
+                <a:hlinkClick r:id="rId6"/>
+              </a:rPr>
+              <a:t>Используемые интернет-источники</a:t>
+            </a:r>
+            <a:endParaRPr lang="en-US" sz="2000" b="0" i="0" dirty="0">
+              <a:solidFill>
+                <a:srgbClr val="BCB7AE"/>
+              </a:solidFill>
+              <a:effectLst/>
+            </a:endParaRPr>
           </a:p>
         </p:txBody>
       </p:sp>
     </p:spTree>
     <p:extLst>
       <p:ext uri="{BB962C8B-B14F-4D97-AF65-F5344CB8AC3E}">
-        <p14:creationId xmlns:p14="http://schemas.microsoft.com/office/powerpoint/2010/main" val="2189908056"/>
+        <p14:creationId xmlns:p14="http://schemas.microsoft.com/office/powerpoint/2010/main" val="3771057578"/>
       </p:ext>
     </p:extLst>
   </p:cSld>
   <p:clrMapOvr>
     <a:masterClrMapping/>
   </p:clrMapOvr>
-  <mc:AlternateContent xmlns:mc="http://schemas.openxmlformats.org/markup-compatibility/2006">
-    <mc:Choice xmlns:p159="http://schemas.microsoft.com/office/powerpoint/2015/09/main" Requires="p159">
-      <p:transition spd="slow">
-        <p159:morph option="byObject"/>
+  <mc:AlternateContent xmlns:mc="http://schemas.openxmlformats.org/markup-compatibility/2006" xmlns:p14="http://schemas.microsoft.com/office/powerpoint/2010/main">
+    <mc:Choice Requires="p14">
+      <p:transition spd="med" p14:dur="700">
+        <p:fade/>
       </p:transition>
     </mc:Choice>
-    <mc:Fallback>
-      <p:transition spd="slow">
+    <mc:Fallback xmlns="">
+      <p:transition spd="med">
         <p:fade/>
       </p:transition>
     </mc:Fallback>
@@ -6208,7 +6925,7 @@
 </p:sld>
 </file>
 
-<file path=ppt/slides/slide3.xml><?xml version="1.0" encoding="utf-8"?>
+<file path=ppt/slides/slide11.xml><?xml version="1.0" encoding="utf-8"?>
 <p:sld xmlns:a="http://schemas.openxmlformats.org/drawingml/2006/main" xmlns:r="http://schemas.openxmlformats.org/officeDocument/2006/relationships" xmlns:p="http://schemas.openxmlformats.org/presentationml/2006/main">
   <p:cSld>
     <p:spTree>
@@ -6230,7 +6947,7 @@
           <p:cNvPr id="2" name="Заголовок 1">
             <a:extLst>
               <a:ext uri="{FF2B5EF4-FFF2-40B4-BE49-F238E27FC236}">
-                <a16:creationId xmlns:a16="http://schemas.microsoft.com/office/drawing/2014/main" id="{85817A21-472E-494B-8065-7850418C65A7}"/>
+                <a16:creationId xmlns:a16="http://schemas.microsoft.com/office/drawing/2014/main" id="{3ACC4CCA-349E-4698-BEC1-F62F6BF042F6}"/>
               </a:ext>
             </a:extLst>
           </p:cNvPr>
@@ -6238,27 +6955,35 @@
             <a:spLocks noGrp="1"/>
           </p:cNvSpPr>
           <p:nvPr>
-            <p:ph type="title"/>
-          </p:nvPr>
-        </p:nvSpPr>
-        <p:spPr/>
-        <p:txBody>
-          <a:bodyPr/>
+            <p:ph type="ctrTitle"/>
+          </p:nvPr>
+        </p:nvSpPr>
+        <p:spPr>
+          <a:xfrm>
+            <a:off x="603849" y="-28427"/>
+            <a:ext cx="10556276" cy="2421464"/>
+          </a:xfrm>
+        </p:spPr>
+        <p:txBody>
+          <a:bodyPr>
+            <a:normAutofit/>
+          </a:bodyPr>
           <a:lstStyle/>
           <a:p>
-            <a:r>
-              <a:rPr lang="ru-RU" dirty="0"/>
-              <a:t>Стек технологий</a:t>
-            </a:r>
-          </a:p>
-        </p:txBody>
-      </p:sp>
-      <p:sp>
-        <p:nvSpPr>
-          <p:cNvPr id="3" name="Объект 2">
+            <a:pPr algn="ctr"/>
+            <a:r>
+              <a:rPr lang="ru-RU" sz="7200" dirty="0"/>
+              <a:t>Спасибо за внимание!</a:t>
+            </a:r>
+          </a:p>
+        </p:txBody>
+      </p:sp>
+      <p:sp>
+        <p:nvSpPr>
+          <p:cNvPr id="3" name="Подзаголовок 2">
             <a:extLst>
               <a:ext uri="{FF2B5EF4-FFF2-40B4-BE49-F238E27FC236}">
-                <a16:creationId xmlns:a16="http://schemas.microsoft.com/office/drawing/2014/main" id="{2E98E11C-0EA7-48FF-B8C4-6EFBCC1751C3}"/>
+                <a16:creationId xmlns:a16="http://schemas.microsoft.com/office/drawing/2014/main" id="{80B7141E-2D43-4D2A-BDDF-3DB74A2CC474}"/>
               </a:ext>
             </a:extLst>
           </p:cNvPr>
@@ -6266,131 +6991,156 @@
             <a:spLocks noGrp="1"/>
           </p:cNvSpPr>
           <p:nvPr>
-            <p:ph idx="1"/>
-          </p:nvPr>
-        </p:nvSpPr>
-        <p:spPr/>
-        <p:txBody>
-          <a:bodyPr/>
+            <p:ph type="subTitle" idx="1"/>
+          </p:nvPr>
+        </p:nvSpPr>
+        <p:spPr>
+          <a:xfrm>
+            <a:off x="6096000" y="2867489"/>
+            <a:ext cx="5195977" cy="3646477"/>
+          </a:xfrm>
+        </p:spPr>
+        <p:txBody>
+          <a:bodyPr>
+            <a:normAutofit/>
+          </a:bodyPr>
           <a:lstStyle/>
           <a:p>
-            <a:r>
-              <a:rPr lang="ru-RU" dirty="0"/>
-              <a:t>Операционная система </a:t>
-            </a:r>
-            <a:r>
-              <a:rPr lang="en-US" dirty="0"/>
-              <a:t>Windows 10 Home</a:t>
-            </a:r>
-          </a:p>
-          <a:p>
-            <a:r>
-              <a:rPr lang="ru-RU" dirty="0"/>
-              <a:t>Язык программирования </a:t>
-            </a:r>
-            <a:r>
-              <a:rPr lang="en-US" dirty="0"/>
-              <a:t>Python 3.10</a:t>
-            </a:r>
-          </a:p>
-          <a:p>
-            <a:r>
-              <a:rPr lang="ru-RU" dirty="0"/>
-              <a:t>Подключаемые библиотеки:</a:t>
-            </a:r>
-          </a:p>
-          <a:p>
-            <a:pPr lvl="1"/>
-            <a:r>
-              <a:rPr lang="en-US" dirty="0"/>
-              <a:t>Matplotlib</a:t>
-            </a:r>
-          </a:p>
-          <a:p>
-            <a:pPr lvl="1"/>
-            <a:r>
-              <a:rPr lang="en-US" dirty="0" err="1"/>
-              <a:t>Astropy</a:t>
-            </a:r>
-            <a:endParaRPr lang="en-US" dirty="0"/>
-          </a:p>
-          <a:p>
-            <a:pPr lvl="1"/>
-            <a:r>
-              <a:rPr lang="en-US" dirty="0" err="1"/>
-              <a:t>Numpy</a:t>
-            </a:r>
-            <a:endParaRPr lang="en-US" dirty="0"/>
-          </a:p>
-          <a:p>
-            <a:pPr lvl="1"/>
-            <a:r>
-              <a:rPr lang="ru-RU" dirty="0"/>
-              <a:t>Остальное см. </a:t>
-            </a:r>
-            <a:r>
-              <a:rPr lang="en-US" dirty="0">
-                <a:hlinkClick r:id="rId2"/>
-              </a:rPr>
-              <a:t>Dependencies</a:t>
-            </a:r>
-            <a:endParaRPr lang="en-US" dirty="0"/>
+            <a:pPr algn="l">
+              <a:spcAft>
+                <a:spcPts val="2400"/>
+              </a:spcAft>
+            </a:pPr>
+            <a:r>
+              <a:rPr lang="ru-RU" sz="2800" dirty="0"/>
+              <a:t>Мои контакты:</a:t>
+            </a:r>
+          </a:p>
+          <a:p>
+            <a:pPr marL="715963" algn="l">
+              <a:spcAft>
+                <a:spcPts val="1200"/>
+              </a:spcAft>
+            </a:pPr>
+            <a:r>
+              <a:rPr lang="ru-RU" sz="2800" dirty="0"/>
+              <a:t>+7 (917) 571-20-36</a:t>
+            </a:r>
+          </a:p>
+          <a:p>
+            <a:pPr marL="715963" algn="l">
+              <a:spcAft>
+                <a:spcPts val="1200"/>
+              </a:spcAft>
+            </a:pPr>
+            <a:r>
+              <a:rPr lang="en-US" sz="2800" dirty="0"/>
+              <a:t>m9175712036@gmail.com</a:t>
+            </a:r>
+            <a:endParaRPr lang="ru-RU" sz="2800" dirty="0"/>
+          </a:p>
+          <a:p>
+            <a:pPr marL="715963" algn="l">
+              <a:spcAft>
+                <a:spcPts val="1200"/>
+              </a:spcAft>
+            </a:pPr>
+            <a:r>
+              <a:rPr lang="en-US" sz="2800" dirty="0"/>
+              <a:t>@matveypol003</a:t>
+            </a:r>
+          </a:p>
+          <a:p>
+            <a:pPr marL="715963" algn="l">
+              <a:spcAft>
+                <a:spcPts val="1200"/>
+              </a:spcAft>
+            </a:pPr>
+            <a:r>
+              <a:rPr lang="en-US" sz="2800" dirty="0"/>
+              <a:t>@PM-95025</a:t>
+            </a:r>
+          </a:p>
+          <a:p>
+            <a:pPr marL="715963" algn="l">
+              <a:spcAft>
+                <a:spcPts val="1200"/>
+              </a:spcAft>
+            </a:pPr>
+            <a:r>
+              <a:rPr lang="en-US" sz="2800" dirty="0"/>
+              <a:t>Matvey#5393</a:t>
+            </a:r>
+            <a:endParaRPr lang="ru-RU" sz="2800" dirty="0"/>
           </a:p>
         </p:txBody>
       </p:sp>
       <p:pic>
         <p:nvPicPr>
-          <p:cNvPr id="2050" name="Picture 2" descr="GitHub - matplotlib/matplotlib: matplotlib: plotting with Python">
+          <p:cNvPr id="4" name="Рисунок 3">
             <a:extLst>
               <a:ext uri="{FF2B5EF4-FFF2-40B4-BE49-F238E27FC236}">
-                <a16:creationId xmlns:a16="http://schemas.microsoft.com/office/drawing/2014/main" id="{A7DEB532-83C3-4CB6-BD89-F43468E93C4C}"/>
+                <a16:creationId xmlns:a16="http://schemas.microsoft.com/office/drawing/2014/main" id="{9BFBA613-3DE9-4967-8856-89EA5F404D85}"/>
               </a:ext>
             </a:extLst>
           </p:cNvPr>
           <p:cNvPicPr>
-            <a:picLocks noChangeAspect="1" noChangeArrowheads="1"/>
+            <a:picLocks noChangeAspect="1"/>
           </p:cNvPicPr>
           <p:nvPr/>
         </p:nvPicPr>
         <p:blipFill>
-          <a:blip r:embed="rId3">
-            <a:extLst>
-              <a:ext uri="{28A0092B-C50C-407E-A947-70E740481C1C}">
-                <a14:useLocalDpi xmlns:a14="http://schemas.microsoft.com/office/drawing/2010/main" val="0"/>
-              </a:ext>
-            </a:extLst>
-          </a:blip>
-          <a:srcRect/>
+          <a:blip r:embed="rId2"/>
           <a:stretch>
             <a:fillRect/>
           </a:stretch>
         </p:blipFill>
-        <p:spPr bwMode="auto">
-          <a:xfrm>
-            <a:off x="5529711" y="3344653"/>
-            <a:ext cx="4371975" cy="1047750"/>
+        <p:spPr>
+          <a:xfrm>
+            <a:off x="1122539" y="2774002"/>
+            <a:ext cx="3656495" cy="3646477"/>
           </a:xfrm>
           <a:prstGeom prst="rect">
             <a:avLst/>
           </a:prstGeom>
-          <a:noFill/>
-          <a:extLst>
-            <a:ext uri="{909E8E84-426E-40DD-AFC4-6F175D3DCCD1}">
-              <a14:hiddenFill xmlns:a14="http://schemas.microsoft.com/office/drawing/2010/main">
-                <a:solidFill>
-                  <a:srgbClr val="FFFFFF"/>
-                </a:solidFill>
-              </a14:hiddenFill>
-            </a:ext>
-          </a:extLst>
         </p:spPr>
       </p:pic>
       <p:pic>
         <p:nvPicPr>
-          <p:cNvPr id="2052" name="Picture 4" descr="Программирование на Python - Лига Роботов - Челябинск">
+          <p:cNvPr id="5" name="Рисунок 4">
             <a:extLst>
               <a:ext uri="{FF2B5EF4-FFF2-40B4-BE49-F238E27FC236}">
-                <a16:creationId xmlns:a16="http://schemas.microsoft.com/office/drawing/2014/main" id="{5BFBFA4D-D2BA-44A9-AD9E-3BF9D78AA609}"/>
+                <a16:creationId xmlns:a16="http://schemas.microsoft.com/office/drawing/2014/main" id="{C190ED4E-FD7E-4B59-BB97-BF455D15FD43}"/>
+              </a:ext>
+            </a:extLst>
+          </p:cNvPr>
+          <p:cNvPicPr>
+            <a:picLocks noChangeAspect="1"/>
+          </p:cNvPicPr>
+          <p:nvPr/>
+        </p:nvPicPr>
+        <p:blipFill>
+          <a:blip r:embed="rId3"/>
+          <a:stretch>
+            <a:fillRect/>
+          </a:stretch>
+        </p:blipFill>
+        <p:spPr>
+          <a:xfrm>
+            <a:off x="6380222" y="3675098"/>
+            <a:ext cx="404948" cy="404948"/>
+          </a:xfrm>
+          <a:prstGeom prst="rect">
+            <a:avLst/>
+          </a:prstGeom>
+        </p:spPr>
+      </p:pic>
+      <p:pic>
+        <p:nvPicPr>
+          <p:cNvPr id="2054" name="Picture 6" descr="Почта логотип (80 фото) » Рисунки для срисовки и не только">
+            <a:extLst>
+              <a:ext uri="{FF2B5EF4-FFF2-40B4-BE49-F238E27FC236}">
+                <a16:creationId xmlns:a16="http://schemas.microsoft.com/office/drawing/2014/main" id="{C607566A-1B91-4AF0-8D6D-B2966EF6231C}"/>
               </a:ext>
             </a:extLst>
           </p:cNvPr>
@@ -6414,8 +7164,8 @@
         </p:blipFill>
         <p:spPr bwMode="auto">
           <a:xfrm>
-            <a:off x="9441852" y="740514"/>
-            <a:ext cx="2143125" cy="2133600"/>
+            <a:off x="6330950" y="4169071"/>
+            <a:ext cx="503492" cy="503492"/>
           </a:xfrm>
           <a:prstGeom prst="rect">
             <a:avLst/>
@@ -6434,10 +7184,10 @@
       </p:pic>
       <p:pic>
         <p:nvPicPr>
-          <p:cNvPr id="2054" name="Picture 6" descr="Astropy">
+          <p:cNvPr id="2056" name="Picture 8" descr="ВК логотип ПНГ на Прозрачном Фоне • Скачать PNG ВК логотип">
             <a:extLst>
               <a:ext uri="{FF2B5EF4-FFF2-40B4-BE49-F238E27FC236}">
-                <a16:creationId xmlns:a16="http://schemas.microsoft.com/office/drawing/2014/main" id="{39B5E6B9-B786-4936-B847-B6CEA0C56268}"/>
+                <a16:creationId xmlns:a16="http://schemas.microsoft.com/office/drawing/2014/main" id="{3085AC0B-D43E-4910-8EA3-C59DB5C38D0B}"/>
               </a:ext>
             </a:extLst>
           </p:cNvPr>
@@ -6461,8 +7211,8 @@
         </p:blipFill>
         <p:spPr bwMode="auto">
           <a:xfrm>
-            <a:off x="6426858" y="5162550"/>
-            <a:ext cx="3638550" cy="1257300"/>
+            <a:off x="6330950" y="4761589"/>
+            <a:ext cx="527364" cy="527364"/>
           </a:xfrm>
           <a:prstGeom prst="rect">
             <a:avLst/>
@@ -6481,55 +7231,10 @@
       </p:pic>
       <p:pic>
         <p:nvPicPr>
-          <p:cNvPr id="2056" name="Picture 8" descr="Steam Community :: Guide :: Настройка и оптимизации Windows 10 и CS:GO для  поднятия FPS">
+          <p:cNvPr id="2058" name="Picture 10" descr="значок телеграм ПНГ на Прозрачном Фоне • Скачать PNG значок телеграм">
             <a:extLst>
               <a:ext uri="{FF2B5EF4-FFF2-40B4-BE49-F238E27FC236}">
-                <a16:creationId xmlns:a16="http://schemas.microsoft.com/office/drawing/2014/main" id="{837FAACD-AD22-44B7-BAF3-F717019E4F8C}"/>
-              </a:ext>
-            </a:extLst>
-          </p:cNvPr>
-          <p:cNvPicPr>
-            <a:picLocks noChangeAspect="1" noChangeArrowheads="1"/>
-          </p:cNvPicPr>
-          <p:nvPr/>
-        </p:nvPicPr>
-        <p:blipFill rotWithShape="1">
-          <a:blip r:embed="rId6">
-            <a:extLst>
-              <a:ext uri="{28A0092B-C50C-407E-A947-70E740481C1C}">
-                <a14:useLocalDpi xmlns:a14="http://schemas.microsoft.com/office/drawing/2010/main" val="0"/>
-              </a:ext>
-            </a:extLst>
-          </a:blip>
-          <a:srcRect l="3962" t="4412" r="2755" b="3279"/>
-          <a:stretch/>
-        </p:blipFill>
-        <p:spPr bwMode="auto">
-          <a:xfrm>
-            <a:off x="10745597" y="3983887"/>
-            <a:ext cx="1058798" cy="1047750"/>
-          </a:xfrm>
-          <a:prstGeom prst="rect">
-            <a:avLst/>
-          </a:prstGeom>
-          <a:noFill/>
-          <a:extLst>
-            <a:ext uri="{909E8E84-426E-40DD-AFC4-6F175D3DCCD1}">
-              <a14:hiddenFill xmlns:a14="http://schemas.microsoft.com/office/drawing/2010/main">
-                <a:solidFill>
-                  <a:srgbClr val="FFFFFF"/>
-                </a:solidFill>
-              </a14:hiddenFill>
-            </a:ext>
-          </a:extLst>
-        </p:spPr>
-      </p:pic>
-      <p:pic>
-        <p:nvPicPr>
-          <p:cNvPr id="2058" name="Picture 10" descr="NumPy">
-            <a:extLst>
-              <a:ext uri="{FF2B5EF4-FFF2-40B4-BE49-F238E27FC236}">
-                <a16:creationId xmlns:a16="http://schemas.microsoft.com/office/drawing/2014/main" id="{81FF3F73-1370-4885-9EFD-AAE51B14012E}"/>
+                <a16:creationId xmlns:a16="http://schemas.microsoft.com/office/drawing/2014/main" id="{725373BA-133C-419C-9D8F-6D09AB066415}"/>
               </a:ext>
             </a:extLst>
           </p:cNvPr>
@@ -6539,7 +7244,7 @@
           <p:nvPr/>
         </p:nvPicPr>
         <p:blipFill>
-          <a:blip r:embed="rId7">
+          <a:blip r:embed="rId6">
             <a:extLst>
               <a:ext uri="{28A0092B-C50C-407E-A947-70E740481C1C}">
                 <a14:useLocalDpi xmlns:a14="http://schemas.microsoft.com/office/drawing/2010/main" val="0"/>
@@ -6553,8 +7258,8 @@
         </p:blipFill>
         <p:spPr bwMode="auto">
           <a:xfrm>
-            <a:off x="7007002" y="850276"/>
-            <a:ext cx="1914076" cy="1914076"/>
+            <a:off x="5717169" y="4744337"/>
+            <a:ext cx="613781" cy="602950"/>
           </a:xfrm>
           <a:prstGeom prst="rect">
             <a:avLst/>
@@ -6573,10 +7278,10 @@
       </p:pic>
       <p:pic>
         <p:nvPicPr>
-          <p:cNvPr id="4" name="Рисунок 3">
+          <p:cNvPr id="6" name="Рисунок 5">
             <a:extLst>
               <a:ext uri="{FF2B5EF4-FFF2-40B4-BE49-F238E27FC236}">
-                <a16:creationId xmlns:a16="http://schemas.microsoft.com/office/drawing/2014/main" id="{8027477B-41B4-4D56-9B03-E84CB5777FF7}"/>
+                <a16:creationId xmlns:a16="http://schemas.microsoft.com/office/drawing/2014/main" id="{88335090-8B49-414D-877E-AD3CE9654AE0}"/>
               </a:ext>
             </a:extLst>
           </p:cNvPr>
@@ -6586,633 +7291,160 @@
           <p:nvPr/>
         </p:nvPicPr>
         <p:blipFill>
-          <a:blip r:embed="rId8"/>
+          <a:blip r:embed="rId7"/>
           <a:stretch>
             <a:fillRect/>
           </a:stretch>
         </p:blipFill>
         <p:spPr>
           <a:xfrm>
-            <a:off x="10623895" y="5349910"/>
-            <a:ext cx="1373831" cy="1370067"/>
+            <a:off x="6324622" y="5364539"/>
+            <a:ext cx="540021" cy="527365"/>
           </a:xfrm>
           <a:prstGeom prst="rect">
             <a:avLst/>
           </a:prstGeom>
         </p:spPr>
       </p:pic>
-    </p:spTree>
-    <p:extLst>
-      <p:ext uri="{BB962C8B-B14F-4D97-AF65-F5344CB8AC3E}">
-        <p14:creationId xmlns:p14="http://schemas.microsoft.com/office/powerpoint/2010/main" val="3256488465"/>
-      </p:ext>
-    </p:extLst>
-  </p:cSld>
-  <p:clrMapOvr>
-    <a:masterClrMapping/>
-  </p:clrMapOvr>
-  <mc:AlternateContent xmlns:mc="http://schemas.openxmlformats.org/markup-compatibility/2006">
-    <mc:Choice xmlns:p159="http://schemas.microsoft.com/office/powerpoint/2015/09/main" Requires="p159">
-      <p:transition spd="slow">
-        <p159:morph option="byObject"/>
-      </p:transition>
-    </mc:Choice>
-    <mc:Fallback>
-      <p:transition spd="slow">
-        <p:fade/>
-      </p:transition>
-    </mc:Fallback>
-  </mc:AlternateContent>
-</p:sld>
-</file>
-
-<file path=ppt/slides/slide4.xml><?xml version="1.0" encoding="utf-8"?>
-<p:sld xmlns:a="http://schemas.openxmlformats.org/drawingml/2006/main" xmlns:r="http://schemas.openxmlformats.org/officeDocument/2006/relationships" xmlns:p="http://schemas.openxmlformats.org/presentationml/2006/main">
-  <p:cSld>
-    <p:spTree>
-      <p:nvGrpSpPr>
-        <p:cNvPr id="1" name=""/>
-        <p:cNvGrpSpPr/>
-        <p:nvPr/>
-      </p:nvGrpSpPr>
-      <p:grpSpPr>
-        <a:xfrm>
-          <a:off x="0" y="0"/>
-          <a:ext cx="0" cy="0"/>
-          <a:chOff x="0" y="0"/>
-          <a:chExt cx="0" cy="0"/>
-        </a:xfrm>
-      </p:grpSpPr>
-      <p:sp>
-        <p:nvSpPr>
-          <p:cNvPr id="2" name="Заголовок 1">
+      <p:pic>
+        <p:nvPicPr>
+          <p:cNvPr id="1026" name="Picture 2">
             <a:extLst>
               <a:ext uri="{FF2B5EF4-FFF2-40B4-BE49-F238E27FC236}">
-                <a16:creationId xmlns:a16="http://schemas.microsoft.com/office/drawing/2014/main" id="{8E0FB048-A2B2-4B77-8AA3-C14F48066869}"/>
-              </a:ext>
-            </a:extLst>
-          </p:cNvPr>
-          <p:cNvSpPr>
-            <a:spLocks noGrp="1"/>
-          </p:cNvSpPr>
-          <p:nvPr>
-            <p:ph type="title"/>
-          </p:nvPr>
-        </p:nvSpPr>
-        <p:spPr/>
-        <p:txBody>
-          <a:bodyPr/>
-          <a:lstStyle/>
-          <a:p>
-            <a:endParaRPr lang="ru-RU"/>
-          </a:p>
-        </p:txBody>
-      </p:sp>
-      <p:pic>
-        <p:nvPicPr>
-          <p:cNvPr id="5" name="Объект 4">
-            <a:extLst>
-              <a:ext uri="{FF2B5EF4-FFF2-40B4-BE49-F238E27FC236}">
-                <a16:creationId xmlns:a16="http://schemas.microsoft.com/office/drawing/2014/main" id="{B31A8817-2F0F-4AF4-8718-ED7F5CE9D8C5}"/>
+                <a16:creationId xmlns:a16="http://schemas.microsoft.com/office/drawing/2014/main" id="{1CDDFD3C-1D22-4913-90DC-C93827007FCA}"/>
               </a:ext>
             </a:extLst>
           </p:cNvPr>
           <p:cNvPicPr>
-            <a:picLocks noGrp="1" noChangeAspect="1"/>
+            <a:picLocks noChangeAspect="1" noChangeArrowheads="1"/>
           </p:cNvPicPr>
-          <p:nvPr>
-            <p:ph idx="1"/>
-          </p:nvPr>
+          <p:nvPr/>
         </p:nvPicPr>
         <p:blipFill>
-          <a:blip r:embed="rId2"/>
+          <a:blip r:embed="rId8">
+            <a:extLst>
+              <a:ext uri="{28A0092B-C50C-407E-A947-70E740481C1C}">
+                <a14:useLocalDpi xmlns:a14="http://schemas.microsoft.com/office/drawing/2010/main" val="0"/>
+              </a:ext>
+            </a:extLst>
+          </a:blip>
+          <a:srcRect/>
           <a:stretch>
             <a:fillRect/>
           </a:stretch>
         </p:blipFill>
-        <p:spPr>
-          <a:xfrm>
-            <a:off x="1025488" y="1061049"/>
-            <a:ext cx="9574681" cy="5385758"/>
+        <p:spPr bwMode="auto">
+          <a:xfrm>
+            <a:off x="5756124" y="3586073"/>
+            <a:ext cx="599461" cy="602950"/>
           </a:xfrm>
           <a:prstGeom prst="rect">
             <a:avLst/>
           </a:prstGeom>
+          <a:noFill/>
+          <a:extLst>
+            <a:ext uri="{909E8E84-426E-40DD-AFC4-6F175D3DCCD1}">
+              <a14:hiddenFill xmlns:a14="http://schemas.microsoft.com/office/drawing/2010/main">
+                <a:solidFill>
+                  <a:srgbClr val="FFFFFF"/>
+                </a:solidFill>
+              </a14:hiddenFill>
+            </a:ext>
+          </a:extLst>
         </p:spPr>
       </p:pic>
-    </p:spTree>
-    <p:extLst>
-      <p:ext uri="{BB962C8B-B14F-4D97-AF65-F5344CB8AC3E}">
-        <p14:creationId xmlns:p14="http://schemas.microsoft.com/office/powerpoint/2010/main" val="98992505"/>
-      </p:ext>
-    </p:extLst>
-  </p:cSld>
-  <p:clrMapOvr>
-    <a:masterClrMapping/>
-  </p:clrMapOvr>
-  <mc:AlternateContent xmlns:mc="http://schemas.openxmlformats.org/markup-compatibility/2006">
-    <mc:Choice xmlns:p159="http://schemas.microsoft.com/office/powerpoint/2015/09/main" Requires="p159">
-      <p:transition spd="slow">
-        <p159:morph option="byObject"/>
-      </p:transition>
-    </mc:Choice>
-    <mc:Fallback>
-      <p:transition spd="slow">
-        <p:fade/>
-      </p:transition>
-    </mc:Fallback>
-  </mc:AlternateContent>
-</p:sld>
-</file>
-
-<file path=ppt/slides/slide5.xml><?xml version="1.0" encoding="utf-8"?>
-<p:sld xmlns:a="http://schemas.openxmlformats.org/drawingml/2006/main" xmlns:r="http://schemas.openxmlformats.org/officeDocument/2006/relationships" xmlns:p="http://schemas.openxmlformats.org/presentationml/2006/main">
-  <p:cSld>
-    <p:spTree>
-      <p:nvGrpSpPr>
-        <p:cNvPr id="1" name=""/>
-        <p:cNvGrpSpPr/>
-        <p:nvPr/>
-      </p:nvGrpSpPr>
-      <p:grpSpPr>
-        <a:xfrm>
-          <a:off x="0" y="0"/>
-          <a:ext cx="0" cy="0"/>
-          <a:chOff x="0" y="0"/>
-          <a:chExt cx="0" cy="0"/>
-        </a:xfrm>
-      </p:grpSpPr>
-      <p:sp>
-        <p:nvSpPr>
-          <p:cNvPr id="2" name="Заголовок 1">
+      <p:sp>
+        <p:nvSpPr>
+          <p:cNvPr id="7" name="AutoShape 4">
             <a:extLst>
               <a:ext uri="{FF2B5EF4-FFF2-40B4-BE49-F238E27FC236}">
-                <a16:creationId xmlns:a16="http://schemas.microsoft.com/office/drawing/2014/main" id="{F746A8EA-8913-4526-B810-A71883B4AB54}"/>
+                <a16:creationId xmlns:a16="http://schemas.microsoft.com/office/drawing/2014/main" id="{B80965CA-5EC7-4965-B1B4-2536A10AB8EA}"/>
               </a:ext>
             </a:extLst>
           </p:cNvPr>
           <p:cNvSpPr>
-            <a:spLocks noGrp="1"/>
-          </p:cNvSpPr>
-          <p:nvPr>
-            <p:ph type="title"/>
-          </p:nvPr>
-        </p:nvSpPr>
-        <p:spPr/>
-        <p:txBody>
-          <a:bodyPr/>
+            <a:spLocks noChangeAspect="1" noChangeArrowheads="1"/>
+          </p:cNvSpPr>
+          <p:nvPr/>
+        </p:nvSpPr>
+        <p:spPr bwMode="auto">
+          <a:xfrm>
+            <a:off x="5943600" y="3276600"/>
+            <a:ext cx="304800" cy="304800"/>
+          </a:xfrm>
+          <a:prstGeom prst="rect">
+            <a:avLst/>
+          </a:prstGeom>
+          <a:noFill/>
+          <a:extLst>
+            <a:ext uri="{909E8E84-426E-40DD-AFC4-6F175D3DCCD1}">
+              <a14:hiddenFill xmlns:a14="http://schemas.microsoft.com/office/drawing/2010/main">
+                <a:solidFill>
+                  <a:srgbClr val="FFFFFF"/>
+                </a:solidFill>
+              </a14:hiddenFill>
+            </a:ext>
+          </a:extLst>
+        </p:spPr>
+        <p:txBody>
+          <a:bodyPr vert="horz" wrap="square" lIns="91440" tIns="45720" rIns="91440" bIns="45720" numCol="1" anchor="t" anchorCtr="0" compatLnSpc="1">
+            <a:prstTxWarp prst="textNoShape">
+              <a:avLst/>
+            </a:prstTxWarp>
+          </a:bodyPr>
           <a:lstStyle/>
           <a:p>
-            <a:r>
-              <a:rPr lang="ru-RU" dirty="0"/>
-              <a:t>Источники информации</a:t>
-            </a:r>
-          </a:p>
-        </p:txBody>
-      </p:sp>
-      <p:sp>
-        <p:nvSpPr>
-          <p:cNvPr id="3" name="Объект 2">
+            <a:endParaRPr lang="ru-RU"/>
+          </a:p>
+        </p:txBody>
+      </p:sp>
+      <p:pic>
+        <p:nvPicPr>
+          <p:cNvPr id="1030" name="Picture 6" descr="Discord Logo Png - Free Transparent PNG Logos">
             <a:extLst>
               <a:ext uri="{FF2B5EF4-FFF2-40B4-BE49-F238E27FC236}">
-                <a16:creationId xmlns:a16="http://schemas.microsoft.com/office/drawing/2014/main" id="{63675674-6705-402A-8909-DCBD3CBBA15C}"/>
+                <a16:creationId xmlns:a16="http://schemas.microsoft.com/office/drawing/2014/main" id="{665F980D-6167-478A-A355-78311094C6B5}"/>
               </a:ext>
             </a:extLst>
           </p:cNvPr>
-          <p:cNvSpPr>
-            <a:spLocks noGrp="1"/>
-          </p:cNvSpPr>
-          <p:nvPr>
-            <p:ph idx="1"/>
-          </p:nvPr>
-        </p:nvSpPr>
-        <p:spPr/>
-        <p:txBody>
-          <a:bodyPr>
-            <a:normAutofit fontScale="77500" lnSpcReduction="20000"/>
-          </a:bodyPr>
-          <a:lstStyle/>
-          <a:p>
-            <a:pPr algn="l">
-              <a:buFont typeface="+mj-lt"/>
-              <a:buAutoNum type="arabicPeriod"/>
-            </a:pPr>
-            <a:r>
-              <a:rPr lang="en-US" sz="2200" b="0" i="0" u="none" strike="noStrike" dirty="0">
-                <a:solidFill>
-                  <a:srgbClr val="BCB7AE"/>
-                </a:solidFill>
-                <a:effectLst/>
-                <a:hlinkClick r:id="rId2"/>
-              </a:rPr>
-              <a:t>http://crydee.sai.msu.ru/ak4/Chapt_11_3_154.htm</a:t>
-            </a:r>
-            <a:r>
-              <a:rPr lang="en-US" sz="2200" b="0" i="0" dirty="0">
-                <a:solidFill>
-                  <a:srgbClr val="BCB7AE"/>
-                </a:solidFill>
-                <a:effectLst/>
-              </a:rPr>
-              <a:t> - </a:t>
-            </a:r>
-            <a:r>
-              <a:rPr lang="ru-RU" sz="2200" b="0" i="0" dirty="0">
-                <a:solidFill>
-                  <a:srgbClr val="BCB7AE"/>
-                </a:solidFill>
-                <a:effectLst/>
-              </a:rPr>
-              <a:t>статья из электронной библиотеки ГАИШ "§ 154. Общие характеристики двойных систем"</a:t>
-            </a:r>
-          </a:p>
-          <a:p>
-            <a:pPr algn="l">
-              <a:buFont typeface="+mj-lt"/>
-              <a:buAutoNum type="arabicPeriod"/>
-            </a:pPr>
-            <a:r>
-              <a:rPr lang="en-US" sz="2200" b="0" i="0" u="none" strike="noStrike" dirty="0">
-                <a:solidFill>
-                  <a:srgbClr val="BCB7AE"/>
-                </a:solidFill>
-                <a:effectLst/>
-                <a:hlinkClick r:id="rId3"/>
-              </a:rPr>
-              <a:t>https://forum.sources.ru/index.php?showtopic=9381</a:t>
-            </a:r>
-            <a:r>
-              <a:rPr lang="en-US" sz="2200" b="0" i="0" dirty="0">
-                <a:solidFill>
-                  <a:srgbClr val="BCB7AE"/>
-                </a:solidFill>
-                <a:effectLst/>
-              </a:rPr>
-              <a:t> - </a:t>
-            </a:r>
-            <a:r>
-              <a:rPr lang="ru-RU" sz="2200" b="0" i="0" dirty="0">
-                <a:solidFill>
-                  <a:srgbClr val="BCB7AE"/>
-                </a:solidFill>
-                <a:effectLst/>
-              </a:rPr>
-              <a:t>тема с форума </a:t>
-            </a:r>
-            <a:r>
-              <a:rPr lang="en-US" sz="2200" b="0" i="0" dirty="0" err="1">
-                <a:solidFill>
-                  <a:srgbClr val="BCB7AE"/>
-                </a:solidFill>
-                <a:effectLst/>
-              </a:rPr>
-              <a:t>Sources.Ru</a:t>
-            </a:r>
-            <a:r>
-              <a:rPr lang="en-US" sz="2200" b="0" i="0" dirty="0">
-                <a:solidFill>
-                  <a:srgbClr val="BCB7AE"/>
-                </a:solidFill>
-                <a:effectLst/>
-              </a:rPr>
-              <a:t> (</a:t>
-            </a:r>
-            <a:r>
-              <a:rPr lang="ru-RU" sz="2200" b="0" i="0" dirty="0">
-                <a:solidFill>
-                  <a:srgbClr val="BCB7AE"/>
-                </a:solidFill>
-                <a:effectLst/>
-              </a:rPr>
-              <a:t>задача о пересечении двух кругов)</a:t>
-            </a:r>
-          </a:p>
-          <a:p>
-            <a:pPr algn="l">
-              <a:buFont typeface="+mj-lt"/>
-              <a:buAutoNum type="arabicPeriod"/>
-            </a:pPr>
-            <a:r>
-              <a:rPr lang="en-US" sz="2200" b="0" i="0" u="none" strike="noStrike" dirty="0">
-                <a:solidFill>
-                  <a:srgbClr val="BCB7AE"/>
-                </a:solidFill>
-                <a:effectLst/>
-                <a:hlinkClick r:id="rId4"/>
-              </a:rPr>
-              <a:t>https://ru.wikipedia.org/wiki/</a:t>
-            </a:r>
-            <a:r>
-              <a:rPr lang="ru-RU" sz="2200" b="0" i="0" u="none" strike="noStrike" dirty="0" err="1">
-                <a:solidFill>
-                  <a:srgbClr val="BCB7AE"/>
-                </a:solidFill>
-                <a:effectLst/>
-                <a:hlinkClick r:id="rId4"/>
-              </a:rPr>
-              <a:t>Уравнение_Кеплера#Приближённые_методы</a:t>
-            </a:r>
-            <a:endParaRPr lang="ru-RU" sz="2200" b="0" i="0" dirty="0">
-              <a:solidFill>
-                <a:srgbClr val="BCB7AE"/>
-              </a:solidFill>
-              <a:effectLst/>
-            </a:endParaRPr>
-          </a:p>
-          <a:p>
-            <a:pPr algn="l">
-              <a:buFont typeface="+mj-lt"/>
-              <a:buAutoNum type="arabicPeriod"/>
-            </a:pPr>
-            <a:r>
-              <a:rPr lang="ru-RU" sz="2300" b="0" i="0" dirty="0">
-                <a:solidFill>
-                  <a:srgbClr val="BCB7AE"/>
-                </a:solidFill>
-                <a:effectLst/>
-              </a:rPr>
-              <a:t>Официальная документация к библиотеке </a:t>
-            </a:r>
-            <a:r>
-              <a:rPr lang="en-US" sz="2300" b="0" i="0" dirty="0">
-                <a:solidFill>
-                  <a:srgbClr val="BCB7AE"/>
-                </a:solidFill>
-                <a:effectLst/>
-              </a:rPr>
-              <a:t>matplotlib</a:t>
-            </a:r>
-          </a:p>
-          <a:p>
-            <a:pPr algn="l">
-              <a:buFont typeface="+mj-lt"/>
-              <a:buAutoNum type="arabicPeriod"/>
-            </a:pPr>
-            <a:r>
-              <a:rPr lang="ru-RU" sz="2300" b="0" i="0" dirty="0">
-                <a:solidFill>
-                  <a:srgbClr val="BCB7AE"/>
-                </a:solidFill>
-                <a:effectLst/>
-              </a:rPr>
-              <a:t>Обсуждения на форуме </a:t>
-            </a:r>
-            <a:r>
-              <a:rPr lang="en-US" sz="2300" b="0" i="0" dirty="0" err="1">
-                <a:solidFill>
-                  <a:srgbClr val="BCB7AE"/>
-                </a:solidFill>
-                <a:effectLst/>
-              </a:rPr>
-              <a:t>StackOverflow</a:t>
-            </a:r>
-            <a:r>
-              <a:rPr lang="en-US" sz="2300" b="0" i="0" dirty="0">
-                <a:solidFill>
-                  <a:srgbClr val="BCB7AE"/>
-                </a:solidFill>
-                <a:effectLst/>
-              </a:rPr>
-              <a:t> (</a:t>
-            </a:r>
-            <a:r>
-              <a:rPr lang="ru-RU" sz="2300" b="0" i="0" dirty="0">
-                <a:solidFill>
-                  <a:srgbClr val="BCB7AE"/>
-                </a:solidFill>
-                <a:effectLst/>
-              </a:rPr>
-              <a:t>настройка </a:t>
-            </a:r>
-            <a:r>
-              <a:rPr lang="en-US" sz="2300" b="0" i="0" dirty="0">
-                <a:solidFill>
-                  <a:srgbClr val="BCB7AE"/>
-                </a:solidFill>
-                <a:effectLst/>
-              </a:rPr>
-              <a:t>matplotlib)</a:t>
-            </a:r>
-          </a:p>
-          <a:p>
-            <a:pPr algn="l">
-              <a:buFont typeface="+mj-lt"/>
-              <a:buAutoNum type="arabicPeriod"/>
-            </a:pPr>
-            <a:r>
-              <a:rPr lang="ru-RU" sz="2300" b="0" i="0" dirty="0">
-                <a:solidFill>
-                  <a:srgbClr val="BCB7AE"/>
-                </a:solidFill>
-                <a:effectLst/>
-              </a:rPr>
-              <a:t>Обсуждения на форуме </a:t>
-            </a:r>
-            <a:r>
-              <a:rPr lang="en-US" sz="2300" b="0" i="0" dirty="0" err="1">
-                <a:solidFill>
-                  <a:srgbClr val="BCB7AE"/>
-                </a:solidFill>
-                <a:effectLst/>
-              </a:rPr>
-              <a:t>OverCoder</a:t>
-            </a:r>
-            <a:r>
-              <a:rPr lang="en-US" sz="2300" b="0" i="0" dirty="0">
-                <a:solidFill>
-                  <a:srgbClr val="BCB7AE"/>
-                </a:solidFill>
-                <a:effectLst/>
-              </a:rPr>
-              <a:t> (</a:t>
-            </a:r>
-            <a:r>
-              <a:rPr lang="ru-RU" sz="2300" b="0" i="0" dirty="0">
-                <a:solidFill>
-                  <a:srgbClr val="BCB7AE"/>
-                </a:solidFill>
-                <a:effectLst/>
-              </a:rPr>
-              <a:t>настройка </a:t>
-            </a:r>
-            <a:r>
-              <a:rPr lang="en-US" sz="2300" b="0" i="0" dirty="0">
-                <a:solidFill>
-                  <a:srgbClr val="BCB7AE"/>
-                </a:solidFill>
-                <a:effectLst/>
-              </a:rPr>
-              <a:t>matplotlib)</a:t>
-            </a:r>
-          </a:p>
-          <a:p>
-            <a:pPr algn="l">
-              <a:buFont typeface="+mj-lt"/>
-              <a:buAutoNum type="arabicPeriod"/>
-            </a:pPr>
-            <a:r>
-              <a:rPr lang="en-US" sz="2300" b="0" i="0" u="none" strike="noStrike" dirty="0">
-                <a:solidFill>
-                  <a:srgbClr val="BCB7AE"/>
-                </a:solidFill>
-                <a:effectLst/>
-                <a:hlinkClick r:id="rId5"/>
-              </a:rPr>
-              <a:t>https://www.geeksforgeeks.org/how-to-implement-linear-interpolation-in-python/amp/</a:t>
-            </a:r>
-            <a:r>
-              <a:rPr lang="en-US" sz="2300" b="0" i="0" dirty="0">
-                <a:solidFill>
-                  <a:srgbClr val="BCB7AE"/>
-                </a:solidFill>
-                <a:effectLst/>
-              </a:rPr>
-              <a:t> - </a:t>
-            </a:r>
-            <a:r>
-              <a:rPr lang="ru-RU" sz="2300" b="0" i="0" dirty="0">
-                <a:solidFill>
-                  <a:srgbClr val="BCB7AE"/>
-                </a:solidFill>
-                <a:effectLst/>
-              </a:rPr>
-              <a:t>учебный материал с портала </a:t>
-            </a:r>
-            <a:r>
-              <a:rPr lang="en-US" sz="2300" b="0" i="0" dirty="0" err="1">
-                <a:solidFill>
-                  <a:srgbClr val="BCB7AE"/>
-                </a:solidFill>
-                <a:effectLst/>
-              </a:rPr>
-              <a:t>GeeksForGeeks</a:t>
-            </a:r>
-            <a:r>
-              <a:rPr lang="en-US" sz="2300" b="0" i="0" dirty="0">
-                <a:solidFill>
-                  <a:srgbClr val="BCB7AE"/>
-                </a:solidFill>
-                <a:effectLst/>
-              </a:rPr>
-              <a:t> "How to implement linear interpolation in Python</a:t>
-            </a:r>
-            <a:endParaRPr lang="ru-RU" sz="2300" b="0" i="0" dirty="0">
-              <a:solidFill>
-                <a:srgbClr val="BCB7AE"/>
-              </a:solidFill>
-              <a:effectLst/>
-            </a:endParaRPr>
-          </a:p>
-          <a:p>
-            <a:pPr marL="0" indent="0" algn="l">
-              <a:buNone/>
-            </a:pPr>
-            <a:r>
-              <a:rPr lang="ru-RU" sz="2300" b="0" i="0" dirty="0">
-                <a:solidFill>
-                  <a:srgbClr val="BCB7AE"/>
-                </a:solidFill>
-                <a:effectLst/>
-              </a:rPr>
-              <a:t>Подробнее см. </a:t>
-            </a:r>
-            <a:r>
-              <a:rPr lang="ru-RU" sz="2300" b="0" i="0" dirty="0">
-                <a:solidFill>
-                  <a:srgbClr val="BCB7AE"/>
-                </a:solidFill>
-                <a:effectLst/>
-                <a:hlinkClick r:id="rId6"/>
-              </a:rPr>
-              <a:t>Используемые интернет-источники</a:t>
-            </a:r>
-            <a:endParaRPr lang="en-US" sz="2300" b="0" i="0" dirty="0">
-              <a:solidFill>
-                <a:srgbClr val="BCB7AE"/>
-              </a:solidFill>
-              <a:effectLst/>
-            </a:endParaRPr>
-          </a:p>
-        </p:txBody>
-      </p:sp>
-    </p:spTree>
-    <p:extLst>
-      <p:ext uri="{BB962C8B-B14F-4D97-AF65-F5344CB8AC3E}">
-        <p14:creationId xmlns:p14="http://schemas.microsoft.com/office/powerpoint/2010/main" val="3771057578"/>
-      </p:ext>
-    </p:extLst>
-  </p:cSld>
-  <p:clrMapOvr>
-    <a:masterClrMapping/>
-  </p:clrMapOvr>
-  <mc:AlternateContent xmlns:mc="http://schemas.openxmlformats.org/markup-compatibility/2006">
-    <mc:Choice xmlns:p159="http://schemas.microsoft.com/office/powerpoint/2015/09/main" Requires="p159">
-      <p:transition spd="slow">
-        <p159:morph option="byObject"/>
-      </p:transition>
-    </mc:Choice>
-    <mc:Fallback>
-      <p:transition spd="slow">
-        <p:fade/>
-      </p:transition>
-    </mc:Fallback>
-  </mc:AlternateContent>
-</p:sld>
-</file>
-
-<file path=ppt/slides/slide6.xml><?xml version="1.0" encoding="utf-8"?>
-<p:sld xmlns:a="http://schemas.openxmlformats.org/drawingml/2006/main" xmlns:r="http://schemas.openxmlformats.org/officeDocument/2006/relationships" xmlns:p="http://schemas.openxmlformats.org/presentationml/2006/main">
-  <p:cSld>
-    <p:spTree>
-      <p:nvGrpSpPr>
-        <p:cNvPr id="1" name=""/>
-        <p:cNvGrpSpPr/>
-        <p:nvPr/>
-      </p:nvGrpSpPr>
-      <p:grpSpPr>
-        <a:xfrm>
-          <a:off x="0" y="0"/>
-          <a:ext cx="0" cy="0"/>
-          <a:chOff x="0" y="0"/>
-          <a:chExt cx="0" cy="0"/>
-        </a:xfrm>
-      </p:grpSpPr>
-      <p:sp>
-        <p:nvSpPr>
-          <p:cNvPr id="2" name="Заголовок 1">
+          <p:cNvPicPr>
+            <a:picLocks noChangeAspect="1" noChangeArrowheads="1"/>
+          </p:cNvPicPr>
+          <p:nvPr/>
+        </p:nvPicPr>
+        <p:blipFill>
+          <a:blip r:embed="rId9">
             <a:extLst>
-              <a:ext uri="{FF2B5EF4-FFF2-40B4-BE49-F238E27FC236}">
-                <a16:creationId xmlns:a16="http://schemas.microsoft.com/office/drawing/2014/main" id="{3ACC4CCA-349E-4698-BEC1-F62F6BF042F6}"/>
+              <a:ext uri="{28A0092B-C50C-407E-A947-70E740481C1C}">
+                <a14:useLocalDpi xmlns:a14="http://schemas.microsoft.com/office/drawing/2010/main" val="0"/>
               </a:ext>
             </a:extLst>
-          </p:cNvPr>
-          <p:cNvSpPr>
-            <a:spLocks noGrp="1"/>
-          </p:cNvSpPr>
-          <p:nvPr>
-            <p:ph type="title"/>
-          </p:nvPr>
-        </p:nvSpPr>
-        <p:spPr>
-          <a:xfrm>
-            <a:off x="1030287" y="2700866"/>
-            <a:ext cx="10131425" cy="1456267"/>
-          </a:xfrm>
-        </p:spPr>
-        <p:txBody>
-          <a:bodyPr>
-            <a:normAutofit/>
-          </a:bodyPr>
-          <a:lstStyle/>
-          <a:p>
-            <a:pPr algn="ctr"/>
-            <a:r>
-              <a:rPr lang="ru-RU" sz="7200" dirty="0"/>
-              <a:t>Спасибо за внимание!</a:t>
-            </a:r>
-          </a:p>
-        </p:txBody>
-      </p:sp>
+          </a:blip>
+          <a:srcRect/>
+          <a:stretch>
+            <a:fillRect/>
+          </a:stretch>
+        </p:blipFill>
+        <p:spPr bwMode="auto">
+          <a:xfrm>
+            <a:off x="6322329" y="5952124"/>
+            <a:ext cx="561842" cy="561842"/>
+          </a:xfrm>
+          <a:prstGeom prst="rect">
+            <a:avLst/>
+          </a:prstGeom>
+          <a:noFill/>
+          <a:extLst>
+            <a:ext uri="{909E8E84-426E-40DD-AFC4-6F175D3DCCD1}">
+              <a14:hiddenFill xmlns:a14="http://schemas.microsoft.com/office/drawing/2010/main">
+                <a:solidFill>
+                  <a:srgbClr val="FFFFFF"/>
+                </a:solidFill>
+              </a14:hiddenFill>
+            </a:ext>
+          </a:extLst>
+        </p:spPr>
+      </p:pic>
     </p:spTree>
     <p:extLst>
       <p:ext uri="{BB962C8B-B14F-4D97-AF65-F5344CB8AC3E}">
@@ -7223,14 +7455,14 @@
   <p:clrMapOvr>
     <a:masterClrMapping/>
   </p:clrMapOvr>
-  <mc:AlternateContent xmlns:mc="http://schemas.openxmlformats.org/markup-compatibility/2006">
-    <mc:Choice xmlns:p159="http://schemas.microsoft.com/office/powerpoint/2015/09/main" Requires="p159">
-      <p:transition spd="slow">
-        <p159:morph option="byObject"/>
+  <mc:AlternateContent xmlns:mc="http://schemas.openxmlformats.org/markup-compatibility/2006" xmlns:p14="http://schemas.microsoft.com/office/powerpoint/2010/main">
+    <mc:Choice Requires="p14">
+      <p:transition spd="med" p14:dur="700">
+        <p:fade/>
       </p:transition>
     </mc:Choice>
-    <mc:Fallback>
-      <p:transition spd="slow">
+    <mc:Fallback xmlns="">
+      <p:transition spd="med">
         <p:fade/>
       </p:transition>
     </mc:Fallback>
@@ -7370,6 +7602,1763 @@
       <p:bldP spid="2" grpId="0"/>
     </p:bldLst>
   </p:timing>
+</p:sld>
+</file>
+
+<file path=ppt/slides/slide2.xml><?xml version="1.0" encoding="utf-8"?>
+<p:sld xmlns:a="http://schemas.openxmlformats.org/drawingml/2006/main" xmlns:r="http://schemas.openxmlformats.org/officeDocument/2006/relationships" xmlns:p="http://schemas.openxmlformats.org/presentationml/2006/main">
+  <p:cSld>
+    <p:spTree>
+      <p:nvGrpSpPr>
+        <p:cNvPr id="1" name=""/>
+        <p:cNvGrpSpPr/>
+        <p:nvPr/>
+      </p:nvGrpSpPr>
+      <p:grpSpPr>
+        <a:xfrm>
+          <a:off x="0" y="0"/>
+          <a:ext cx="0" cy="0"/>
+          <a:chOff x="0" y="0"/>
+          <a:chExt cx="0" cy="0"/>
+        </a:xfrm>
+      </p:grpSpPr>
+      <p:sp>
+        <p:nvSpPr>
+          <p:cNvPr id="2" name="Заголовок 1">
+            <a:extLst>
+              <a:ext uri="{FF2B5EF4-FFF2-40B4-BE49-F238E27FC236}">
+                <a16:creationId xmlns:a16="http://schemas.microsoft.com/office/drawing/2014/main" id="{C2AB3493-F600-4108-8153-1B39389936D0}"/>
+              </a:ext>
+            </a:extLst>
+          </p:cNvPr>
+          <p:cNvSpPr>
+            <a:spLocks noGrp="1"/>
+          </p:cNvSpPr>
+          <p:nvPr>
+            <p:ph type="title"/>
+          </p:nvPr>
+        </p:nvSpPr>
+        <p:spPr/>
+        <p:txBody>
+          <a:bodyPr/>
+          <a:lstStyle/>
+          <a:p>
+            <a:r>
+              <a:rPr lang="ru-RU" dirty="0"/>
+              <a:t>Цель</a:t>
+            </a:r>
+          </a:p>
+        </p:txBody>
+      </p:sp>
+      <p:sp>
+        <p:nvSpPr>
+          <p:cNvPr id="3" name="Объект 2">
+            <a:extLst>
+              <a:ext uri="{FF2B5EF4-FFF2-40B4-BE49-F238E27FC236}">
+                <a16:creationId xmlns:a16="http://schemas.microsoft.com/office/drawing/2014/main" id="{A283A73D-46E7-4BF5-BA9D-2B434579E63F}"/>
+              </a:ext>
+            </a:extLst>
+          </p:cNvPr>
+          <p:cNvSpPr>
+            <a:spLocks noGrp="1"/>
+          </p:cNvSpPr>
+          <p:nvPr>
+            <p:ph idx="1"/>
+          </p:nvPr>
+        </p:nvSpPr>
+        <p:spPr/>
+        <p:txBody>
+          <a:bodyPr/>
+          <a:lstStyle/>
+          <a:p>
+            <a:r>
+              <a:rPr lang="ru-RU" dirty="0"/>
+              <a:t>Самостоятельно написать программу, выполняющую моделирование двойной звёздной системы</a:t>
+            </a:r>
+          </a:p>
+        </p:txBody>
+      </p:sp>
+    </p:spTree>
+    <p:extLst>
+      <p:ext uri="{BB962C8B-B14F-4D97-AF65-F5344CB8AC3E}">
+        <p14:creationId xmlns:p14="http://schemas.microsoft.com/office/powerpoint/2010/main" val="2189908056"/>
+      </p:ext>
+    </p:extLst>
+  </p:cSld>
+  <p:clrMapOvr>
+    <a:masterClrMapping/>
+  </p:clrMapOvr>
+  <mc:AlternateContent xmlns:mc="http://schemas.openxmlformats.org/markup-compatibility/2006" xmlns:p14="http://schemas.microsoft.com/office/powerpoint/2010/main">
+    <mc:Choice Requires="p14">
+      <p:transition spd="med" p14:dur="700">
+        <p:fade/>
+      </p:transition>
+    </mc:Choice>
+    <mc:Fallback xmlns="">
+      <p:transition spd="med">
+        <p:fade/>
+      </p:transition>
+    </mc:Fallback>
+  </mc:AlternateContent>
+</p:sld>
+</file>
+
+<file path=ppt/slides/slide3.xml><?xml version="1.0" encoding="utf-8"?>
+<p:sld xmlns:a="http://schemas.openxmlformats.org/drawingml/2006/main" xmlns:r="http://schemas.openxmlformats.org/officeDocument/2006/relationships" xmlns:p="http://schemas.openxmlformats.org/presentationml/2006/main">
+  <p:cSld>
+    <p:spTree>
+      <p:nvGrpSpPr>
+        <p:cNvPr id="1" name=""/>
+        <p:cNvGrpSpPr/>
+        <p:nvPr/>
+      </p:nvGrpSpPr>
+      <p:grpSpPr>
+        <a:xfrm>
+          <a:off x="0" y="0"/>
+          <a:ext cx="0" cy="0"/>
+          <a:chOff x="0" y="0"/>
+          <a:chExt cx="0" cy="0"/>
+        </a:xfrm>
+      </p:grpSpPr>
+      <p:sp>
+        <p:nvSpPr>
+          <p:cNvPr id="2" name="Заголовок 1">
+            <a:extLst>
+              <a:ext uri="{FF2B5EF4-FFF2-40B4-BE49-F238E27FC236}">
+                <a16:creationId xmlns:a16="http://schemas.microsoft.com/office/drawing/2014/main" id="{85817A21-472E-494B-8065-7850418C65A7}"/>
+              </a:ext>
+            </a:extLst>
+          </p:cNvPr>
+          <p:cNvSpPr>
+            <a:spLocks noGrp="1"/>
+          </p:cNvSpPr>
+          <p:nvPr>
+            <p:ph type="title"/>
+          </p:nvPr>
+        </p:nvSpPr>
+        <p:spPr>
+          <a:xfrm>
+            <a:off x="685801" y="-2875"/>
+            <a:ext cx="10131425" cy="1456267"/>
+          </a:xfrm>
+        </p:spPr>
+        <p:txBody>
+          <a:bodyPr/>
+          <a:lstStyle/>
+          <a:p>
+            <a:r>
+              <a:rPr lang="ru-RU" dirty="0"/>
+              <a:t>Используемые технологии и софт</a:t>
+            </a:r>
+          </a:p>
+        </p:txBody>
+      </p:sp>
+      <p:sp>
+        <p:nvSpPr>
+          <p:cNvPr id="3" name="Объект 2">
+            <a:extLst>
+              <a:ext uri="{FF2B5EF4-FFF2-40B4-BE49-F238E27FC236}">
+                <a16:creationId xmlns:a16="http://schemas.microsoft.com/office/drawing/2014/main" id="{2E98E11C-0EA7-48FF-B8C4-6EFBCC1751C3}"/>
+              </a:ext>
+            </a:extLst>
+          </p:cNvPr>
+          <p:cNvSpPr>
+            <a:spLocks noGrp="1"/>
+          </p:cNvSpPr>
+          <p:nvPr>
+            <p:ph idx="1"/>
+          </p:nvPr>
+        </p:nvSpPr>
+        <p:spPr>
+          <a:xfrm>
+            <a:off x="685801" y="1170979"/>
+            <a:ext cx="10131425" cy="4220530"/>
+          </a:xfrm>
+        </p:spPr>
+        <p:txBody>
+          <a:bodyPr>
+            <a:normAutofit/>
+          </a:bodyPr>
+          <a:lstStyle/>
+          <a:p>
+            <a:pPr>
+              <a:spcAft>
+                <a:spcPts val="1200"/>
+              </a:spcAft>
+            </a:pPr>
+            <a:r>
+              <a:rPr lang="ru-RU" sz="2400" dirty="0"/>
+              <a:t>Операционная система </a:t>
+            </a:r>
+            <a:r>
+              <a:rPr lang="en-US" sz="2400" dirty="0"/>
+              <a:t>Windows 10 Home</a:t>
+            </a:r>
+            <a:endParaRPr lang="ru-RU" sz="2400" dirty="0"/>
+          </a:p>
+          <a:p>
+            <a:pPr>
+              <a:spcAft>
+                <a:spcPts val="1200"/>
+              </a:spcAft>
+            </a:pPr>
+            <a:r>
+              <a:rPr lang="ru-RU" sz="2400" dirty="0"/>
+              <a:t>Среда разработки </a:t>
+            </a:r>
+            <a:r>
+              <a:rPr lang="en-US" sz="2400" dirty="0"/>
+              <a:t>PyCharm Professional EAP</a:t>
+            </a:r>
+          </a:p>
+          <a:p>
+            <a:pPr>
+              <a:spcAft>
+                <a:spcPts val="1200"/>
+              </a:spcAft>
+            </a:pPr>
+            <a:r>
+              <a:rPr lang="ru-RU" sz="2400" dirty="0"/>
+              <a:t>Система контроля версий </a:t>
+            </a:r>
+            <a:r>
+              <a:rPr lang="en-US" sz="2400" dirty="0"/>
+              <a:t>Git for Windows</a:t>
+            </a:r>
+          </a:p>
+          <a:p>
+            <a:pPr>
+              <a:spcAft>
+                <a:spcPts val="1200"/>
+              </a:spcAft>
+            </a:pPr>
+            <a:r>
+              <a:rPr lang="ru-RU" sz="2400" dirty="0"/>
+              <a:t>Язык программирования </a:t>
+            </a:r>
+            <a:r>
+              <a:rPr lang="en-US" sz="2400" dirty="0"/>
+              <a:t>Python 3.10</a:t>
+            </a:r>
+          </a:p>
+          <a:p>
+            <a:pPr>
+              <a:spcAft>
+                <a:spcPts val="600"/>
+              </a:spcAft>
+            </a:pPr>
+            <a:r>
+              <a:rPr lang="ru-RU" sz="2400" dirty="0"/>
+              <a:t>Подключаемые библиотеки:</a:t>
+            </a:r>
+          </a:p>
+          <a:p>
+            <a:pPr lvl="1">
+              <a:spcAft>
+                <a:spcPts val="600"/>
+              </a:spcAft>
+            </a:pPr>
+            <a:r>
+              <a:rPr lang="en-US" sz="2000" dirty="0"/>
+              <a:t>Matplotlib</a:t>
+            </a:r>
+          </a:p>
+          <a:p>
+            <a:pPr lvl="1">
+              <a:spcAft>
+                <a:spcPts val="600"/>
+              </a:spcAft>
+            </a:pPr>
+            <a:r>
+              <a:rPr lang="en-US" sz="2000" dirty="0" err="1"/>
+              <a:t>Astropy</a:t>
+            </a:r>
+            <a:endParaRPr lang="en-US" sz="2000" dirty="0"/>
+          </a:p>
+          <a:p>
+            <a:pPr lvl="1">
+              <a:spcAft>
+                <a:spcPts val="600"/>
+              </a:spcAft>
+            </a:pPr>
+            <a:r>
+              <a:rPr lang="en-US" sz="2000" dirty="0" err="1"/>
+              <a:t>Numpy</a:t>
+            </a:r>
+            <a:endParaRPr lang="en-US" sz="2000" dirty="0"/>
+          </a:p>
+          <a:p>
+            <a:pPr lvl="1">
+              <a:spcAft>
+                <a:spcPts val="600"/>
+              </a:spcAft>
+            </a:pPr>
+            <a:r>
+              <a:rPr lang="ru-RU" sz="2000" dirty="0"/>
+              <a:t>Остальное см. </a:t>
+            </a:r>
+            <a:r>
+              <a:rPr lang="en-US" sz="2000" dirty="0">
+                <a:hlinkClick r:id="rId2"/>
+              </a:rPr>
+              <a:t>Dependencies</a:t>
+            </a:r>
+            <a:endParaRPr lang="en-US" sz="2000" dirty="0"/>
+          </a:p>
+        </p:txBody>
+      </p:sp>
+      <p:pic>
+        <p:nvPicPr>
+          <p:cNvPr id="2050" name="Picture 2" descr="GitHub - matplotlib/matplotlib: matplotlib: plotting with Python">
+            <a:extLst>
+              <a:ext uri="{FF2B5EF4-FFF2-40B4-BE49-F238E27FC236}">
+                <a16:creationId xmlns:a16="http://schemas.microsoft.com/office/drawing/2014/main" id="{A7DEB532-83C3-4CB6-BD89-F43468E93C4C}"/>
+              </a:ext>
+            </a:extLst>
+          </p:cNvPr>
+          <p:cNvPicPr>
+            <a:picLocks noChangeAspect="1" noChangeArrowheads="1"/>
+          </p:cNvPicPr>
+          <p:nvPr/>
+        </p:nvPicPr>
+        <p:blipFill>
+          <a:blip r:embed="rId3">
+            <a:extLst>
+              <a:ext uri="{28A0092B-C50C-407E-A947-70E740481C1C}">
+                <a14:useLocalDpi xmlns:a14="http://schemas.microsoft.com/office/drawing/2010/main" val="0"/>
+              </a:ext>
+            </a:extLst>
+          </a:blip>
+          <a:srcRect/>
+          <a:stretch>
+            <a:fillRect/>
+          </a:stretch>
+        </p:blipFill>
+        <p:spPr bwMode="auto">
+          <a:xfrm>
+            <a:off x="788223" y="5544354"/>
+            <a:ext cx="4371975" cy="1047750"/>
+          </a:xfrm>
+          <a:prstGeom prst="rect">
+            <a:avLst/>
+          </a:prstGeom>
+          <a:noFill/>
+          <a:extLst>
+            <a:ext uri="{909E8E84-426E-40DD-AFC4-6F175D3DCCD1}">
+              <a14:hiddenFill xmlns:a14="http://schemas.microsoft.com/office/drawing/2010/main">
+                <a:solidFill>
+                  <a:srgbClr val="FFFFFF"/>
+                </a:solidFill>
+              </a14:hiddenFill>
+            </a:ext>
+          </a:extLst>
+        </p:spPr>
+      </p:pic>
+      <p:pic>
+        <p:nvPicPr>
+          <p:cNvPr id="2052" name="Picture 4" descr="Программирование на Python - Лига Роботов - Челябинск">
+            <a:extLst>
+              <a:ext uri="{FF2B5EF4-FFF2-40B4-BE49-F238E27FC236}">
+                <a16:creationId xmlns:a16="http://schemas.microsoft.com/office/drawing/2014/main" id="{5BFBFA4D-D2BA-44A9-AD9E-3BF9D78AA609}"/>
+              </a:ext>
+            </a:extLst>
+          </p:cNvPr>
+          <p:cNvPicPr>
+            <a:picLocks noChangeAspect="1" noChangeArrowheads="1"/>
+          </p:cNvPicPr>
+          <p:nvPr/>
+        </p:nvPicPr>
+        <p:blipFill>
+          <a:blip r:embed="rId4">
+            <a:extLst>
+              <a:ext uri="{28A0092B-C50C-407E-A947-70E740481C1C}">
+                <a14:useLocalDpi xmlns:a14="http://schemas.microsoft.com/office/drawing/2010/main" val="0"/>
+              </a:ext>
+            </a:extLst>
+          </a:blip>
+          <a:srcRect/>
+          <a:stretch>
+            <a:fillRect/>
+          </a:stretch>
+        </p:blipFill>
+        <p:spPr bwMode="auto">
+          <a:xfrm>
+            <a:off x="9854601" y="340046"/>
+            <a:ext cx="2143125" cy="2133600"/>
+          </a:xfrm>
+          <a:prstGeom prst="rect">
+            <a:avLst/>
+          </a:prstGeom>
+          <a:noFill/>
+          <a:extLst>
+            <a:ext uri="{909E8E84-426E-40DD-AFC4-6F175D3DCCD1}">
+              <a14:hiddenFill xmlns:a14="http://schemas.microsoft.com/office/drawing/2010/main">
+                <a:solidFill>
+                  <a:srgbClr val="FFFFFF"/>
+                </a:solidFill>
+              </a14:hiddenFill>
+            </a:ext>
+          </a:extLst>
+        </p:spPr>
+      </p:pic>
+      <p:pic>
+        <p:nvPicPr>
+          <p:cNvPr id="2054" name="Picture 6" descr="Astropy">
+            <a:extLst>
+              <a:ext uri="{FF2B5EF4-FFF2-40B4-BE49-F238E27FC236}">
+                <a16:creationId xmlns:a16="http://schemas.microsoft.com/office/drawing/2014/main" id="{39B5E6B9-B786-4936-B847-B6CEA0C56268}"/>
+              </a:ext>
+            </a:extLst>
+          </p:cNvPr>
+          <p:cNvPicPr>
+            <a:picLocks noChangeAspect="1" noChangeArrowheads="1"/>
+          </p:cNvPicPr>
+          <p:nvPr/>
+        </p:nvPicPr>
+        <p:blipFill>
+          <a:blip r:embed="rId5">
+            <a:extLst>
+              <a:ext uri="{28A0092B-C50C-407E-A947-70E740481C1C}">
+                <a14:useLocalDpi xmlns:a14="http://schemas.microsoft.com/office/drawing/2010/main" val="0"/>
+              </a:ext>
+            </a:extLst>
+          </a:blip>
+          <a:srcRect/>
+          <a:stretch>
+            <a:fillRect/>
+          </a:stretch>
+        </p:blipFill>
+        <p:spPr bwMode="auto">
+          <a:xfrm>
+            <a:off x="6096000" y="3413461"/>
+            <a:ext cx="3638550" cy="1257300"/>
+          </a:xfrm>
+          <a:prstGeom prst="rect">
+            <a:avLst/>
+          </a:prstGeom>
+          <a:noFill/>
+          <a:extLst>
+            <a:ext uri="{909E8E84-426E-40DD-AFC4-6F175D3DCCD1}">
+              <a14:hiddenFill xmlns:a14="http://schemas.microsoft.com/office/drawing/2010/main">
+                <a:solidFill>
+                  <a:srgbClr val="FFFFFF"/>
+                </a:solidFill>
+              </a14:hiddenFill>
+            </a:ext>
+          </a:extLst>
+        </p:spPr>
+      </p:pic>
+      <p:pic>
+        <p:nvPicPr>
+          <p:cNvPr id="2056" name="Picture 8" descr="Steam Community :: Guide :: Настройка и оптимизации Windows 10 и CS:GO для  поднятия FPS">
+            <a:extLst>
+              <a:ext uri="{FF2B5EF4-FFF2-40B4-BE49-F238E27FC236}">
+                <a16:creationId xmlns:a16="http://schemas.microsoft.com/office/drawing/2014/main" id="{837FAACD-AD22-44B7-BAF3-F717019E4F8C}"/>
+              </a:ext>
+            </a:extLst>
+          </p:cNvPr>
+          <p:cNvPicPr>
+            <a:picLocks noChangeAspect="1" noChangeArrowheads="1"/>
+          </p:cNvPicPr>
+          <p:nvPr/>
+        </p:nvPicPr>
+        <p:blipFill rotWithShape="1">
+          <a:blip r:embed="rId6">
+            <a:extLst>
+              <a:ext uri="{28A0092B-C50C-407E-A947-70E740481C1C}">
+                <a14:useLocalDpi xmlns:a14="http://schemas.microsoft.com/office/drawing/2010/main" val="0"/>
+              </a:ext>
+            </a:extLst>
+          </a:blip>
+          <a:srcRect l="3962" t="4412" r="2755" b="3279"/>
+          <a:stretch/>
+        </p:blipFill>
+        <p:spPr bwMode="auto">
+          <a:xfrm>
+            <a:off x="10287417" y="3340882"/>
+            <a:ext cx="1494828" cy="1479230"/>
+          </a:xfrm>
+          <a:prstGeom prst="rect">
+            <a:avLst/>
+          </a:prstGeom>
+          <a:noFill/>
+          <a:extLst>
+            <a:ext uri="{909E8E84-426E-40DD-AFC4-6F175D3DCCD1}">
+              <a14:hiddenFill xmlns:a14="http://schemas.microsoft.com/office/drawing/2010/main">
+                <a:solidFill>
+                  <a:srgbClr val="FFFFFF"/>
+                </a:solidFill>
+              </a14:hiddenFill>
+            </a:ext>
+          </a:extLst>
+        </p:spPr>
+      </p:pic>
+      <p:pic>
+        <p:nvPicPr>
+          <p:cNvPr id="2058" name="Picture 10" descr="NumPy">
+            <a:extLst>
+              <a:ext uri="{FF2B5EF4-FFF2-40B4-BE49-F238E27FC236}">
+                <a16:creationId xmlns:a16="http://schemas.microsoft.com/office/drawing/2014/main" id="{81FF3F73-1370-4885-9EFD-AAE51B14012E}"/>
+              </a:ext>
+            </a:extLst>
+          </p:cNvPr>
+          <p:cNvPicPr>
+            <a:picLocks noChangeAspect="1" noChangeArrowheads="1"/>
+          </p:cNvPicPr>
+          <p:nvPr/>
+        </p:nvPicPr>
+        <p:blipFill>
+          <a:blip r:embed="rId7">
+            <a:extLst>
+              <a:ext uri="{28A0092B-C50C-407E-A947-70E740481C1C}">
+                <a14:useLocalDpi xmlns:a14="http://schemas.microsoft.com/office/drawing/2010/main" val="0"/>
+              </a:ext>
+            </a:extLst>
+          </a:blip>
+          <a:srcRect/>
+          <a:stretch>
+            <a:fillRect/>
+          </a:stretch>
+        </p:blipFill>
+        <p:spPr bwMode="auto">
+          <a:xfrm>
+            <a:off x="7441316" y="1170979"/>
+            <a:ext cx="1914076" cy="1914076"/>
+          </a:xfrm>
+          <a:prstGeom prst="rect">
+            <a:avLst/>
+          </a:prstGeom>
+          <a:noFill/>
+          <a:extLst>
+            <a:ext uri="{909E8E84-426E-40DD-AFC4-6F175D3DCCD1}">
+              <a14:hiddenFill xmlns:a14="http://schemas.microsoft.com/office/drawing/2010/main">
+                <a:solidFill>
+                  <a:srgbClr val="FFFFFF"/>
+                </a:solidFill>
+              </a14:hiddenFill>
+            </a:ext>
+          </a:extLst>
+        </p:spPr>
+      </p:pic>
+      <p:pic>
+        <p:nvPicPr>
+          <p:cNvPr id="1026" name="Picture 2" descr="PyCharm — Википедия">
+            <a:extLst>
+              <a:ext uri="{FF2B5EF4-FFF2-40B4-BE49-F238E27FC236}">
+                <a16:creationId xmlns:a16="http://schemas.microsoft.com/office/drawing/2014/main" id="{FECFA692-5B3D-464D-9C12-62656495D2EE}"/>
+              </a:ext>
+            </a:extLst>
+          </p:cNvPr>
+          <p:cNvPicPr>
+            <a:picLocks noChangeAspect="1" noChangeArrowheads="1"/>
+          </p:cNvPicPr>
+          <p:nvPr/>
+        </p:nvPicPr>
+        <p:blipFill>
+          <a:blip r:embed="rId8">
+            <a:extLst>
+              <a:ext uri="{28A0092B-C50C-407E-A947-70E740481C1C}">
+                <a14:useLocalDpi xmlns:a14="http://schemas.microsoft.com/office/drawing/2010/main" val="0"/>
+              </a:ext>
+            </a:extLst>
+          </a:blip>
+          <a:srcRect/>
+          <a:stretch>
+            <a:fillRect/>
+          </a:stretch>
+        </p:blipFill>
+        <p:spPr bwMode="auto">
+          <a:xfrm>
+            <a:off x="5971248" y="5122036"/>
+            <a:ext cx="1470068" cy="1470068"/>
+          </a:xfrm>
+          <a:prstGeom prst="rect">
+            <a:avLst/>
+          </a:prstGeom>
+          <a:noFill/>
+          <a:extLst>
+            <a:ext uri="{909E8E84-426E-40DD-AFC4-6F175D3DCCD1}">
+              <a14:hiddenFill xmlns:a14="http://schemas.microsoft.com/office/drawing/2010/main">
+                <a:solidFill>
+                  <a:srgbClr val="FFFFFF"/>
+                </a:solidFill>
+              </a14:hiddenFill>
+            </a:ext>
+          </a:extLst>
+        </p:spPr>
+      </p:pic>
+      <p:pic>
+        <p:nvPicPr>
+          <p:cNvPr id="5" name="Picture 2" descr="Картинки по запросу git">
+            <a:extLst>
+              <a:ext uri="{FF2B5EF4-FFF2-40B4-BE49-F238E27FC236}">
+                <a16:creationId xmlns:a16="http://schemas.microsoft.com/office/drawing/2014/main" id="{D7F560BE-1FB6-480D-8725-350DA8BD72C4}"/>
+              </a:ext>
+            </a:extLst>
+          </p:cNvPr>
+          <p:cNvPicPr>
+            <a:picLocks noChangeAspect="1" noChangeArrowheads="1"/>
+          </p:cNvPicPr>
+          <p:nvPr/>
+        </p:nvPicPr>
+        <p:blipFill>
+          <a:blip r:embed="rId9">
+            <a:extLst>
+              <a:ext uri="{28A0092B-C50C-407E-A947-70E740481C1C}">
+                <a14:useLocalDpi xmlns:a14="http://schemas.microsoft.com/office/drawing/2010/main" val="0"/>
+              </a:ext>
+            </a:extLst>
+          </a:blip>
+          <a:srcRect/>
+          <a:stretch>
+            <a:fillRect/>
+          </a:stretch>
+        </p:blipFill>
+        <p:spPr bwMode="auto">
+          <a:xfrm>
+            <a:off x="8148849" y="5202534"/>
+            <a:ext cx="3348362" cy="1389570"/>
+          </a:xfrm>
+          <a:prstGeom prst="rect">
+            <a:avLst/>
+          </a:prstGeom>
+          <a:noFill/>
+          <a:extLst>
+            <a:ext uri="{909E8E84-426E-40DD-AFC4-6F175D3DCCD1}">
+              <a14:hiddenFill xmlns:a14="http://schemas.microsoft.com/office/drawing/2010/main">
+                <a:solidFill>
+                  <a:srgbClr val="FFFFFF"/>
+                </a:solidFill>
+              </a14:hiddenFill>
+            </a:ext>
+          </a:extLst>
+        </p:spPr>
+      </p:pic>
+    </p:spTree>
+    <p:extLst>
+      <p:ext uri="{BB962C8B-B14F-4D97-AF65-F5344CB8AC3E}">
+        <p14:creationId xmlns:p14="http://schemas.microsoft.com/office/powerpoint/2010/main" val="3256488465"/>
+      </p:ext>
+    </p:extLst>
+  </p:cSld>
+  <p:clrMapOvr>
+    <a:masterClrMapping/>
+  </p:clrMapOvr>
+  <mc:AlternateContent xmlns:mc="http://schemas.openxmlformats.org/markup-compatibility/2006" xmlns:p14="http://schemas.microsoft.com/office/powerpoint/2010/main">
+    <mc:Choice Requires="p14">
+      <p:transition spd="med" p14:dur="700">
+        <p:fade/>
+      </p:transition>
+    </mc:Choice>
+    <mc:Fallback xmlns="">
+      <p:transition spd="med">
+        <p:fade/>
+      </p:transition>
+    </mc:Fallback>
+  </mc:AlternateContent>
+</p:sld>
+</file>
+
+<file path=ppt/slides/slide4.xml><?xml version="1.0" encoding="utf-8"?>
+<p:sld xmlns:a="http://schemas.openxmlformats.org/drawingml/2006/main" xmlns:r="http://schemas.openxmlformats.org/officeDocument/2006/relationships" xmlns:p="http://schemas.openxmlformats.org/presentationml/2006/main">
+  <p:cSld>
+    <p:spTree>
+      <p:nvGrpSpPr>
+        <p:cNvPr id="1" name=""/>
+        <p:cNvGrpSpPr/>
+        <p:nvPr/>
+      </p:nvGrpSpPr>
+      <p:grpSpPr>
+        <a:xfrm>
+          <a:off x="0" y="0"/>
+          <a:ext cx="0" cy="0"/>
+          <a:chOff x="0" y="0"/>
+          <a:chExt cx="0" cy="0"/>
+        </a:xfrm>
+      </p:grpSpPr>
+      <p:sp>
+        <p:nvSpPr>
+          <p:cNvPr id="2" name="Заголовок 1">
+            <a:extLst>
+              <a:ext uri="{FF2B5EF4-FFF2-40B4-BE49-F238E27FC236}">
+                <a16:creationId xmlns:a16="http://schemas.microsoft.com/office/drawing/2014/main" id="{B60E68D0-E789-4090-A5E0-A10DBF12C4AB}"/>
+              </a:ext>
+            </a:extLst>
+          </p:cNvPr>
+          <p:cNvSpPr>
+            <a:spLocks noGrp="1"/>
+          </p:cNvSpPr>
+          <p:nvPr>
+            <p:ph type="title"/>
+          </p:nvPr>
+        </p:nvSpPr>
+        <p:spPr>
+          <a:xfrm>
+            <a:off x="1030287" y="0"/>
+            <a:ext cx="10131425" cy="1456267"/>
+          </a:xfrm>
+        </p:spPr>
+        <p:txBody>
+          <a:bodyPr/>
+          <a:lstStyle/>
+          <a:p>
+            <a:r>
+              <a:rPr lang="ru-RU" dirty="0"/>
+              <a:t>Алгоритм работы программы</a:t>
+            </a:r>
+          </a:p>
+        </p:txBody>
+      </p:sp>
+      <p:sp>
+        <p:nvSpPr>
+          <p:cNvPr id="3" name="Объект 2">
+            <a:extLst>
+              <a:ext uri="{FF2B5EF4-FFF2-40B4-BE49-F238E27FC236}">
+                <a16:creationId xmlns:a16="http://schemas.microsoft.com/office/drawing/2014/main" id="{C416A7BF-5FE1-4A85-9B9A-26A0FA045C41}"/>
+              </a:ext>
+            </a:extLst>
+          </p:cNvPr>
+          <p:cNvSpPr>
+            <a:spLocks noGrp="1"/>
+          </p:cNvSpPr>
+          <p:nvPr>
+            <p:ph idx="1"/>
+          </p:nvPr>
+        </p:nvSpPr>
+        <p:spPr>
+          <a:xfrm>
+            <a:off x="634044" y="1197481"/>
+            <a:ext cx="6569013" cy="5022171"/>
+          </a:xfrm>
+        </p:spPr>
+        <p:txBody>
+          <a:bodyPr>
+            <a:noAutofit/>
+          </a:bodyPr>
+          <a:lstStyle/>
+          <a:p>
+            <a:pPr marL="342900" indent="-342900">
+              <a:buFont typeface="+mj-lt"/>
+              <a:buAutoNum type="arabicPeriod"/>
+            </a:pPr>
+            <a:r>
+              <a:rPr lang="ru-RU" sz="2400" dirty="0"/>
+              <a:t>Импорт библиотек и модулей</a:t>
+            </a:r>
+          </a:p>
+          <a:p>
+            <a:pPr marL="342900" indent="-342900">
+              <a:buFont typeface="+mj-lt"/>
+              <a:buAutoNum type="arabicPeriod"/>
+            </a:pPr>
+            <a:r>
+              <a:rPr lang="ru-RU" sz="2400" dirty="0"/>
+              <a:t>Первоначальная настройка (инициализация)</a:t>
+            </a:r>
+          </a:p>
+          <a:p>
+            <a:pPr marL="342900" indent="-342900">
+              <a:buFont typeface="+mj-lt"/>
+              <a:buAutoNum type="arabicPeriod"/>
+            </a:pPr>
+            <a:r>
+              <a:rPr lang="ru-RU" sz="2400" dirty="0"/>
+              <a:t>Главный цикл (итерация по времени)</a:t>
+            </a:r>
+          </a:p>
+          <a:p>
+            <a:pPr marL="800100" lvl="1" indent="-342900">
+              <a:spcAft>
+                <a:spcPts val="800"/>
+              </a:spcAft>
+              <a:buFont typeface="+mj-lt"/>
+              <a:buAutoNum type="arabicPeriod"/>
+            </a:pPr>
+            <a:r>
+              <a:rPr lang="ru-RU" sz="2000" dirty="0"/>
+              <a:t>Вычисление истинной аномалии</a:t>
+            </a:r>
+          </a:p>
+          <a:p>
+            <a:pPr marL="800100" lvl="1" indent="-342900">
+              <a:spcAft>
+                <a:spcPts val="800"/>
+              </a:spcAft>
+              <a:buFont typeface="+mj-lt"/>
+              <a:buAutoNum type="arabicPeriod"/>
+            </a:pPr>
+            <a:r>
+              <a:rPr lang="ru-RU" sz="2000" dirty="0"/>
+              <a:t>Расчёт расстояния между центрами в видимой плоскости (обозначен за х на рис.2)</a:t>
+            </a:r>
+          </a:p>
+          <a:p>
+            <a:pPr marL="800100" lvl="1" indent="-342900">
+              <a:spcAft>
+                <a:spcPts val="800"/>
+              </a:spcAft>
+              <a:buFont typeface="+mj-lt"/>
+              <a:buAutoNum type="arabicPeriod"/>
+            </a:pPr>
+            <a:r>
+              <a:rPr lang="ru-RU" sz="2000" dirty="0"/>
+              <a:t>Проверка дисков звёзд на пересечение</a:t>
+            </a:r>
+          </a:p>
+          <a:p>
+            <a:pPr marL="800100" lvl="1" indent="-342900">
+              <a:spcAft>
+                <a:spcPts val="800"/>
+              </a:spcAft>
+              <a:buFont typeface="+mj-lt"/>
+              <a:buAutoNum type="arabicPeriod"/>
+            </a:pPr>
+            <a:r>
+              <a:rPr lang="ru-RU" sz="2000" dirty="0"/>
+              <a:t>Подсчёт суммарной звёздной величины</a:t>
+            </a:r>
+          </a:p>
+          <a:p>
+            <a:pPr marL="800100" lvl="1" indent="-342900">
+              <a:spcAft>
+                <a:spcPts val="800"/>
+              </a:spcAft>
+              <a:buFont typeface="+mj-lt"/>
+              <a:buAutoNum type="arabicPeriod"/>
+            </a:pPr>
+            <a:r>
+              <a:rPr lang="ru-RU" sz="2000" dirty="0"/>
+              <a:t>Добавление данных в массивы</a:t>
+            </a:r>
+          </a:p>
+          <a:p>
+            <a:pPr marL="342900" indent="-342900">
+              <a:buFont typeface="+mj-lt"/>
+              <a:buAutoNum type="arabicPeriod"/>
+            </a:pPr>
+            <a:r>
+              <a:rPr lang="ru-RU" sz="2400" dirty="0"/>
+              <a:t>Инициализация </a:t>
+            </a:r>
+            <a:r>
+              <a:rPr lang="en-US" sz="2400" dirty="0"/>
+              <a:t>matplotlib</a:t>
+            </a:r>
+            <a:endParaRPr lang="ru-RU" sz="2400" dirty="0"/>
+          </a:p>
+          <a:p>
+            <a:pPr marL="342900" indent="-342900">
+              <a:buFont typeface="+mj-lt"/>
+              <a:buAutoNum type="arabicPeriod"/>
+            </a:pPr>
+            <a:r>
+              <a:rPr lang="ru-RU" sz="2400"/>
+              <a:t>Построение графиков</a:t>
+            </a:r>
+            <a:endParaRPr lang="ru-RU" sz="2400" dirty="0"/>
+          </a:p>
+        </p:txBody>
+      </p:sp>
+      <p:pic>
+        <p:nvPicPr>
+          <p:cNvPr id="4" name="Рисунок 3">
+            <a:extLst>
+              <a:ext uri="{FF2B5EF4-FFF2-40B4-BE49-F238E27FC236}">
+                <a16:creationId xmlns:a16="http://schemas.microsoft.com/office/drawing/2014/main" id="{93388681-73F8-456A-A3D7-736D48AD624F}"/>
+              </a:ext>
+            </a:extLst>
+          </p:cNvPr>
+          <p:cNvPicPr>
+            <a:picLocks noChangeAspect="1"/>
+          </p:cNvPicPr>
+          <p:nvPr/>
+        </p:nvPicPr>
+        <p:blipFill>
+          <a:blip r:embed="rId3"/>
+          <a:stretch>
+            <a:fillRect/>
+          </a:stretch>
+        </p:blipFill>
+        <p:spPr>
+          <a:xfrm>
+            <a:off x="9790994" y="4788408"/>
+            <a:ext cx="2047875" cy="1600200"/>
+          </a:xfrm>
+          <a:prstGeom prst="rect">
+            <a:avLst/>
+          </a:prstGeom>
+        </p:spPr>
+      </p:pic>
+      <p:pic>
+        <p:nvPicPr>
+          <p:cNvPr id="5" name="Рисунок 4">
+            <a:extLst>
+              <a:ext uri="{FF2B5EF4-FFF2-40B4-BE49-F238E27FC236}">
+                <a16:creationId xmlns:a16="http://schemas.microsoft.com/office/drawing/2014/main" id="{E31D97C2-70BD-4753-9875-989C042A93A0}"/>
+              </a:ext>
+            </a:extLst>
+          </p:cNvPr>
+          <p:cNvPicPr>
+            <a:picLocks noChangeAspect="1"/>
+          </p:cNvPicPr>
+          <p:nvPr/>
+        </p:nvPicPr>
+        <p:blipFill>
+          <a:blip r:embed="rId4"/>
+          <a:stretch>
+            <a:fillRect/>
+          </a:stretch>
+        </p:blipFill>
+        <p:spPr>
+          <a:xfrm>
+            <a:off x="7458646" y="4788408"/>
+            <a:ext cx="2047875" cy="1600200"/>
+          </a:xfrm>
+          <a:prstGeom prst="rect">
+            <a:avLst/>
+          </a:prstGeom>
+        </p:spPr>
+      </p:pic>
+      <p:pic>
+        <p:nvPicPr>
+          <p:cNvPr id="6" name="Рисунок 5">
+            <a:extLst>
+              <a:ext uri="{FF2B5EF4-FFF2-40B4-BE49-F238E27FC236}">
+                <a16:creationId xmlns:a16="http://schemas.microsoft.com/office/drawing/2014/main" id="{2B637E28-9C16-4417-B2D3-2CFC38DAE2A4}"/>
+              </a:ext>
+            </a:extLst>
+          </p:cNvPr>
+          <p:cNvPicPr>
+            <a:picLocks noChangeAspect="1"/>
+          </p:cNvPicPr>
+          <p:nvPr/>
+        </p:nvPicPr>
+        <p:blipFill>
+          <a:blip r:embed="rId5"/>
+          <a:stretch>
+            <a:fillRect/>
+          </a:stretch>
+        </p:blipFill>
+        <p:spPr>
+          <a:xfrm>
+            <a:off x="7203057" y="1028525"/>
+            <a:ext cx="4677857" cy="3386328"/>
+          </a:xfrm>
+          <a:prstGeom prst="rect">
+            <a:avLst/>
+          </a:prstGeom>
+        </p:spPr>
+      </p:pic>
+      <p:pic>
+        <p:nvPicPr>
+          <p:cNvPr id="7" name="Рисунок 6">
+            <a:extLst>
+              <a:ext uri="{FF2B5EF4-FFF2-40B4-BE49-F238E27FC236}">
+                <a16:creationId xmlns:a16="http://schemas.microsoft.com/office/drawing/2014/main" id="{CA985002-C517-4137-BD0E-DF95581F60EE}"/>
+              </a:ext>
+            </a:extLst>
+          </p:cNvPr>
+          <p:cNvPicPr>
+            <a:picLocks noChangeAspect="1"/>
+          </p:cNvPicPr>
+          <p:nvPr/>
+        </p:nvPicPr>
+        <p:blipFill>
+          <a:blip r:embed="rId6"/>
+          <a:stretch>
+            <a:fillRect/>
+          </a:stretch>
+        </p:blipFill>
+        <p:spPr>
+          <a:xfrm>
+            <a:off x="5124004" y="4788408"/>
+            <a:ext cx="2047875" cy="1600200"/>
+          </a:xfrm>
+          <a:prstGeom prst="rect">
+            <a:avLst/>
+          </a:prstGeom>
+        </p:spPr>
+      </p:pic>
+    </p:spTree>
+    <p:extLst>
+      <p:ext uri="{BB962C8B-B14F-4D97-AF65-F5344CB8AC3E}">
+        <p14:creationId xmlns:p14="http://schemas.microsoft.com/office/powerpoint/2010/main" val="1579750802"/>
+      </p:ext>
+    </p:extLst>
+  </p:cSld>
+  <p:clrMapOvr>
+    <a:masterClrMapping/>
+  </p:clrMapOvr>
+  <mc:AlternateContent xmlns:mc="http://schemas.openxmlformats.org/markup-compatibility/2006" xmlns:p14="http://schemas.microsoft.com/office/powerpoint/2010/main">
+    <mc:Choice Requires="p14">
+      <p:transition spd="med" p14:dur="700">
+        <p:fade/>
+      </p:transition>
+    </mc:Choice>
+    <mc:Fallback xmlns="">
+      <p:transition spd="med">
+        <p:fade/>
+      </p:transition>
+    </mc:Fallback>
+  </mc:AlternateContent>
+</p:sld>
+</file>
+
+<file path=ppt/slides/slide5.xml><?xml version="1.0" encoding="utf-8"?>
+<p:sld xmlns:a="http://schemas.openxmlformats.org/drawingml/2006/main" xmlns:r="http://schemas.openxmlformats.org/officeDocument/2006/relationships" xmlns:p="http://schemas.openxmlformats.org/presentationml/2006/main">
+  <p:cSld>
+    <p:spTree>
+      <p:nvGrpSpPr>
+        <p:cNvPr id="1" name=""/>
+        <p:cNvGrpSpPr/>
+        <p:nvPr/>
+      </p:nvGrpSpPr>
+      <p:grpSpPr>
+        <a:xfrm>
+          <a:off x="0" y="0"/>
+          <a:ext cx="0" cy="0"/>
+          <a:chOff x="0" y="0"/>
+          <a:chExt cx="0" cy="0"/>
+        </a:xfrm>
+      </p:grpSpPr>
+      <p:sp>
+        <p:nvSpPr>
+          <p:cNvPr id="2" name="Заголовок 1">
+            <a:extLst>
+              <a:ext uri="{FF2B5EF4-FFF2-40B4-BE49-F238E27FC236}">
+                <a16:creationId xmlns:a16="http://schemas.microsoft.com/office/drawing/2014/main" id="{F81EC98C-42E1-4698-80BA-94F6CA87818E}"/>
+              </a:ext>
+            </a:extLst>
+          </p:cNvPr>
+          <p:cNvSpPr>
+            <a:spLocks noGrp="1"/>
+          </p:cNvSpPr>
+          <p:nvPr>
+            <p:ph type="title"/>
+          </p:nvPr>
+        </p:nvSpPr>
+        <p:spPr>
+          <a:xfrm>
+            <a:off x="1030287" y="0"/>
+            <a:ext cx="10131425" cy="1456267"/>
+          </a:xfrm>
+        </p:spPr>
+        <p:txBody>
+          <a:bodyPr/>
+          <a:lstStyle/>
+          <a:p>
+            <a:r>
+              <a:rPr lang="ru-RU" dirty="0"/>
+              <a:t>Структура проекта</a:t>
+            </a:r>
+          </a:p>
+        </p:txBody>
+      </p:sp>
+      <p:sp>
+        <p:nvSpPr>
+          <p:cNvPr id="3" name="Объект 2">
+            <a:extLst>
+              <a:ext uri="{FF2B5EF4-FFF2-40B4-BE49-F238E27FC236}">
+                <a16:creationId xmlns:a16="http://schemas.microsoft.com/office/drawing/2014/main" id="{FB66EC03-C3AF-4E77-9AB0-C7DF031B2507}"/>
+              </a:ext>
+            </a:extLst>
+          </p:cNvPr>
+          <p:cNvSpPr>
+            <a:spLocks noGrp="1"/>
+          </p:cNvSpPr>
+          <p:nvPr>
+            <p:ph idx="1"/>
+          </p:nvPr>
+        </p:nvSpPr>
+        <p:spPr>
+          <a:xfrm>
+            <a:off x="297614" y="1284298"/>
+            <a:ext cx="3907681" cy="5298216"/>
+          </a:xfrm>
+        </p:spPr>
+        <p:txBody>
+          <a:bodyPr>
+            <a:noAutofit/>
+          </a:bodyPr>
+          <a:lstStyle/>
+          <a:p>
+            <a:r>
+              <a:rPr lang="en-US" sz="2400" dirty="0"/>
+              <a:t>constants.py – </a:t>
+            </a:r>
+            <a:r>
+              <a:rPr lang="ru-RU" sz="2400" dirty="0"/>
+              <a:t>константы (астрономические, математические и др.)</a:t>
+            </a:r>
+          </a:p>
+          <a:p>
+            <a:r>
+              <a:rPr lang="en-US" sz="2400" dirty="0"/>
+              <a:t>data.ini – </a:t>
+            </a:r>
+            <a:r>
+              <a:rPr lang="ru-RU" sz="2400" dirty="0"/>
+              <a:t>информация об объекте исследования</a:t>
+            </a:r>
+          </a:p>
+          <a:p>
+            <a:r>
+              <a:rPr lang="en-US" sz="2400" dirty="0"/>
+              <a:t>star.py – </a:t>
+            </a:r>
+            <a:r>
+              <a:rPr lang="ru-RU" sz="2400" dirty="0"/>
+              <a:t>объявление классов </a:t>
+            </a:r>
+            <a:r>
+              <a:rPr lang="en-US" sz="2400" dirty="0"/>
+              <a:t>Star</a:t>
+            </a:r>
+            <a:r>
+              <a:rPr lang="ru-RU" sz="2400" dirty="0"/>
+              <a:t> и </a:t>
+            </a:r>
+            <a:r>
+              <a:rPr lang="en-US" sz="2400" dirty="0" err="1"/>
+              <a:t>StarSystem</a:t>
+            </a:r>
+            <a:endParaRPr lang="ru-RU" sz="2400" dirty="0"/>
+          </a:p>
+          <a:p>
+            <a:r>
+              <a:rPr lang="en-US" sz="2400" dirty="0"/>
+              <a:t>transit.py – </a:t>
+            </a:r>
+            <a:r>
+              <a:rPr lang="ru-RU" sz="2400" dirty="0"/>
+              <a:t>расчёт прохождения дисков звёзд друг по другу</a:t>
+            </a:r>
+          </a:p>
+          <a:p>
+            <a:pPr marL="0" indent="0">
+              <a:buNone/>
+            </a:pPr>
+            <a:r>
+              <a:rPr lang="ru-RU" sz="2400" dirty="0"/>
+              <a:t>Подробнее см. </a:t>
+            </a:r>
+            <a:r>
+              <a:rPr lang="ru-RU" sz="2400" dirty="0">
+                <a:hlinkClick r:id="rId2"/>
+              </a:rPr>
+              <a:t>Структура проекта (</a:t>
+            </a:r>
+            <a:r>
+              <a:rPr lang="en-US" sz="2400" dirty="0">
+                <a:hlinkClick r:id="rId2"/>
+              </a:rPr>
+              <a:t>README.md)</a:t>
+            </a:r>
+            <a:endParaRPr lang="ru-RU" sz="2400" dirty="0"/>
+          </a:p>
+        </p:txBody>
+      </p:sp>
+      <p:pic>
+        <p:nvPicPr>
+          <p:cNvPr id="4" name="Рисунок 3">
+            <a:extLst>
+              <a:ext uri="{FF2B5EF4-FFF2-40B4-BE49-F238E27FC236}">
+                <a16:creationId xmlns:a16="http://schemas.microsoft.com/office/drawing/2014/main" id="{6E345A96-C3DC-49F8-AC04-A6104C37DCB0}"/>
+              </a:ext>
+            </a:extLst>
+          </p:cNvPr>
+          <p:cNvPicPr>
+            <a:picLocks noChangeAspect="1"/>
+          </p:cNvPicPr>
+          <p:nvPr/>
+        </p:nvPicPr>
+        <p:blipFill>
+          <a:blip r:embed="rId3"/>
+          <a:stretch>
+            <a:fillRect/>
+          </a:stretch>
+        </p:blipFill>
+        <p:spPr>
+          <a:xfrm>
+            <a:off x="4205295" y="1257860"/>
+            <a:ext cx="7778232" cy="5298216"/>
+          </a:xfrm>
+          <a:prstGeom prst="rect">
+            <a:avLst/>
+          </a:prstGeom>
+        </p:spPr>
+      </p:pic>
+    </p:spTree>
+    <p:extLst>
+      <p:ext uri="{BB962C8B-B14F-4D97-AF65-F5344CB8AC3E}">
+        <p14:creationId xmlns:p14="http://schemas.microsoft.com/office/powerpoint/2010/main" val="3404946267"/>
+      </p:ext>
+    </p:extLst>
+  </p:cSld>
+  <p:clrMapOvr>
+    <a:masterClrMapping/>
+  </p:clrMapOvr>
+  <mc:AlternateContent xmlns:mc="http://schemas.openxmlformats.org/markup-compatibility/2006" xmlns:p14="http://schemas.microsoft.com/office/powerpoint/2010/main">
+    <mc:Choice Requires="p14">
+      <p:transition spd="med" p14:dur="700">
+        <p:fade/>
+      </p:transition>
+    </mc:Choice>
+    <mc:Fallback xmlns="">
+      <p:transition spd="med">
+        <p:fade/>
+      </p:transition>
+    </mc:Fallback>
+  </mc:AlternateContent>
+</p:sld>
+</file>
+
+<file path=ppt/slides/slide6.xml><?xml version="1.0" encoding="utf-8"?>
+<p:sld xmlns:a="http://schemas.openxmlformats.org/drawingml/2006/main" xmlns:r="http://schemas.openxmlformats.org/officeDocument/2006/relationships" xmlns:p="http://schemas.openxmlformats.org/presentationml/2006/main">
+  <p:cSld>
+    <p:spTree>
+      <p:nvGrpSpPr>
+        <p:cNvPr id="1" name=""/>
+        <p:cNvGrpSpPr/>
+        <p:nvPr/>
+      </p:nvGrpSpPr>
+      <p:grpSpPr>
+        <a:xfrm>
+          <a:off x="0" y="0"/>
+          <a:ext cx="0" cy="0"/>
+          <a:chOff x="0" y="0"/>
+          <a:chExt cx="0" cy="0"/>
+        </a:xfrm>
+      </p:grpSpPr>
+      <p:sp>
+        <p:nvSpPr>
+          <p:cNvPr id="2" name="Заголовок 1">
+            <a:extLst>
+              <a:ext uri="{FF2B5EF4-FFF2-40B4-BE49-F238E27FC236}">
+                <a16:creationId xmlns:a16="http://schemas.microsoft.com/office/drawing/2014/main" id="{B57B976C-484C-4F8C-A8E3-8BCA5A0F5CA7}"/>
+              </a:ext>
+            </a:extLst>
+          </p:cNvPr>
+          <p:cNvSpPr>
+            <a:spLocks noGrp="1"/>
+          </p:cNvSpPr>
+          <p:nvPr>
+            <p:ph type="title"/>
+          </p:nvPr>
+        </p:nvSpPr>
+        <p:spPr>
+          <a:xfrm>
+            <a:off x="600289" y="0"/>
+            <a:ext cx="10131425" cy="1456267"/>
+          </a:xfrm>
+        </p:spPr>
+        <p:txBody>
+          <a:bodyPr/>
+          <a:lstStyle/>
+          <a:p>
+            <a:r>
+              <a:rPr lang="ru-RU" dirty="0"/>
+              <a:t>Хранение данных</a:t>
+            </a:r>
+          </a:p>
+        </p:txBody>
+      </p:sp>
+      <p:sp>
+        <p:nvSpPr>
+          <p:cNvPr id="3" name="Объект 2">
+            <a:extLst>
+              <a:ext uri="{FF2B5EF4-FFF2-40B4-BE49-F238E27FC236}">
+                <a16:creationId xmlns:a16="http://schemas.microsoft.com/office/drawing/2014/main" id="{C5B261B9-E7E9-49C8-9CE7-E89495CFB8DA}"/>
+              </a:ext>
+            </a:extLst>
+          </p:cNvPr>
+          <p:cNvSpPr>
+            <a:spLocks noGrp="1"/>
+          </p:cNvSpPr>
+          <p:nvPr>
+            <p:ph idx="1"/>
+          </p:nvPr>
+        </p:nvSpPr>
+        <p:spPr/>
+        <p:txBody>
+          <a:bodyPr/>
+          <a:lstStyle/>
+          <a:p>
+            <a:endParaRPr lang="ru-RU" dirty="0"/>
+          </a:p>
+        </p:txBody>
+      </p:sp>
+      <p:pic>
+        <p:nvPicPr>
+          <p:cNvPr id="4" name="Рисунок 3">
+            <a:extLst>
+              <a:ext uri="{FF2B5EF4-FFF2-40B4-BE49-F238E27FC236}">
+                <a16:creationId xmlns:a16="http://schemas.microsoft.com/office/drawing/2014/main" id="{F4E3D7F6-6A17-4C79-9C25-5221203EF7DB}"/>
+              </a:ext>
+            </a:extLst>
+          </p:cNvPr>
+          <p:cNvPicPr>
+            <a:picLocks noChangeAspect="1"/>
+          </p:cNvPicPr>
+          <p:nvPr/>
+        </p:nvPicPr>
+        <p:blipFill rotWithShape="1">
+          <a:blip r:embed="rId2"/>
+          <a:srcRect l="11247" t="8666" r="11079" b="7883"/>
+          <a:stretch/>
+        </p:blipFill>
+        <p:spPr>
+          <a:xfrm>
+            <a:off x="600289" y="1238466"/>
+            <a:ext cx="3766869" cy="5494451"/>
+          </a:xfrm>
+          <a:prstGeom prst="rect">
+            <a:avLst/>
+          </a:prstGeom>
+        </p:spPr>
+      </p:pic>
+      <p:pic>
+        <p:nvPicPr>
+          <p:cNvPr id="5" name="Рисунок 4">
+            <a:extLst>
+              <a:ext uri="{FF2B5EF4-FFF2-40B4-BE49-F238E27FC236}">
+                <a16:creationId xmlns:a16="http://schemas.microsoft.com/office/drawing/2014/main" id="{730C2BCC-F0FF-4073-8B41-39CD775DA2D0}"/>
+              </a:ext>
+            </a:extLst>
+          </p:cNvPr>
+          <p:cNvPicPr>
+            <a:picLocks noChangeAspect="1"/>
+          </p:cNvPicPr>
+          <p:nvPr/>
+        </p:nvPicPr>
+        <p:blipFill>
+          <a:blip r:embed="rId3"/>
+          <a:stretch>
+            <a:fillRect/>
+          </a:stretch>
+        </p:blipFill>
+        <p:spPr>
+          <a:xfrm>
+            <a:off x="4784722" y="125083"/>
+            <a:ext cx="7283634" cy="6607834"/>
+          </a:xfrm>
+          <a:prstGeom prst="rect">
+            <a:avLst/>
+          </a:prstGeom>
+        </p:spPr>
+      </p:pic>
+    </p:spTree>
+    <p:extLst>
+      <p:ext uri="{BB962C8B-B14F-4D97-AF65-F5344CB8AC3E}">
+        <p14:creationId xmlns:p14="http://schemas.microsoft.com/office/powerpoint/2010/main" val="3681310309"/>
+      </p:ext>
+    </p:extLst>
+  </p:cSld>
+  <p:clrMapOvr>
+    <a:masterClrMapping/>
+  </p:clrMapOvr>
+  <mc:AlternateContent xmlns:mc="http://schemas.openxmlformats.org/markup-compatibility/2006" xmlns:p14="http://schemas.microsoft.com/office/powerpoint/2010/main">
+    <mc:Choice Requires="p14">
+      <p:transition spd="med" p14:dur="700">
+        <p:fade/>
+      </p:transition>
+    </mc:Choice>
+    <mc:Fallback xmlns="">
+      <p:transition spd="med">
+        <p:fade/>
+      </p:transition>
+    </mc:Fallback>
+  </mc:AlternateContent>
+</p:sld>
+</file>
+
+<file path=ppt/slides/slide7.xml><?xml version="1.0" encoding="utf-8"?>
+<p:sld xmlns:a="http://schemas.openxmlformats.org/drawingml/2006/main" xmlns:r="http://schemas.openxmlformats.org/officeDocument/2006/relationships" xmlns:p="http://schemas.openxmlformats.org/presentationml/2006/main">
+  <p:cSld>
+    <p:spTree>
+      <p:nvGrpSpPr>
+        <p:cNvPr id="1" name=""/>
+        <p:cNvGrpSpPr/>
+        <p:nvPr/>
+      </p:nvGrpSpPr>
+      <p:grpSpPr>
+        <a:xfrm>
+          <a:off x="0" y="0"/>
+          <a:ext cx="0" cy="0"/>
+          <a:chOff x="0" y="0"/>
+          <a:chExt cx="0" cy="0"/>
+        </a:xfrm>
+      </p:grpSpPr>
+      <p:sp>
+        <p:nvSpPr>
+          <p:cNvPr id="2" name="Заголовок 1">
+            <a:extLst>
+              <a:ext uri="{FF2B5EF4-FFF2-40B4-BE49-F238E27FC236}">
+                <a16:creationId xmlns:a16="http://schemas.microsoft.com/office/drawing/2014/main" id="{0EE06A73-9055-4718-A41F-4C1EF517EB5C}"/>
+              </a:ext>
+            </a:extLst>
+          </p:cNvPr>
+          <p:cNvSpPr>
+            <a:spLocks noGrp="1"/>
+          </p:cNvSpPr>
+          <p:nvPr>
+            <p:ph type="title"/>
+          </p:nvPr>
+        </p:nvSpPr>
+        <p:spPr>
+          <a:xfrm>
+            <a:off x="1025488" y="0"/>
+            <a:ext cx="10131425" cy="1456267"/>
+          </a:xfrm>
+        </p:spPr>
+        <p:txBody>
+          <a:bodyPr/>
+          <a:lstStyle/>
+          <a:p>
+            <a:r>
+              <a:rPr lang="ru-RU" dirty="0"/>
+              <a:t>Формат вывода</a:t>
+            </a:r>
+          </a:p>
+        </p:txBody>
+      </p:sp>
+      <p:sp>
+        <p:nvSpPr>
+          <p:cNvPr id="3" name="Объект 2">
+            <a:extLst>
+              <a:ext uri="{FF2B5EF4-FFF2-40B4-BE49-F238E27FC236}">
+                <a16:creationId xmlns:a16="http://schemas.microsoft.com/office/drawing/2014/main" id="{2548766F-AF93-40E5-929E-8C966B53C880}"/>
+              </a:ext>
+            </a:extLst>
+          </p:cNvPr>
+          <p:cNvSpPr>
+            <a:spLocks noGrp="1"/>
+          </p:cNvSpPr>
+          <p:nvPr>
+            <p:ph idx="1"/>
+          </p:nvPr>
+        </p:nvSpPr>
+        <p:spPr/>
+        <p:txBody>
+          <a:bodyPr/>
+          <a:lstStyle/>
+          <a:p>
+            <a:endParaRPr lang="ru-RU" dirty="0"/>
+          </a:p>
+        </p:txBody>
+      </p:sp>
+      <p:pic>
+        <p:nvPicPr>
+          <p:cNvPr id="6" name="Рисунок 5">
+            <a:extLst>
+              <a:ext uri="{FF2B5EF4-FFF2-40B4-BE49-F238E27FC236}">
+                <a16:creationId xmlns:a16="http://schemas.microsoft.com/office/drawing/2014/main" id="{7F7D3751-0A63-446A-9552-CE13B803B2FE}"/>
+              </a:ext>
+            </a:extLst>
+          </p:cNvPr>
+          <p:cNvPicPr>
+            <a:picLocks noChangeAspect="1"/>
+          </p:cNvPicPr>
+          <p:nvPr/>
+        </p:nvPicPr>
+        <p:blipFill>
+          <a:blip r:embed="rId2"/>
+          <a:stretch>
+            <a:fillRect/>
+          </a:stretch>
+        </p:blipFill>
+        <p:spPr>
+          <a:xfrm>
+            <a:off x="2500372" y="1262332"/>
+            <a:ext cx="7191256" cy="5393442"/>
+          </a:xfrm>
+          <a:prstGeom prst="rect">
+            <a:avLst/>
+          </a:prstGeom>
+        </p:spPr>
+      </p:pic>
+    </p:spTree>
+    <p:extLst>
+      <p:ext uri="{BB962C8B-B14F-4D97-AF65-F5344CB8AC3E}">
+        <p14:creationId xmlns:p14="http://schemas.microsoft.com/office/powerpoint/2010/main" val="3572373231"/>
+      </p:ext>
+    </p:extLst>
+  </p:cSld>
+  <p:clrMapOvr>
+    <a:masterClrMapping/>
+  </p:clrMapOvr>
+  <mc:AlternateContent xmlns:mc="http://schemas.openxmlformats.org/markup-compatibility/2006" xmlns:p14="http://schemas.microsoft.com/office/powerpoint/2010/main">
+    <mc:Choice Requires="p14">
+      <p:transition spd="med" p14:dur="700">
+        <p:fade/>
+      </p:transition>
+    </mc:Choice>
+    <mc:Fallback xmlns="">
+      <p:transition spd="med">
+        <p:fade/>
+      </p:transition>
+    </mc:Fallback>
+  </mc:AlternateContent>
+</p:sld>
+</file>
+
+<file path=ppt/slides/slide8.xml><?xml version="1.0" encoding="utf-8"?>
+<p:sld xmlns:a="http://schemas.openxmlformats.org/drawingml/2006/main" xmlns:r="http://schemas.openxmlformats.org/officeDocument/2006/relationships" xmlns:p="http://schemas.openxmlformats.org/presentationml/2006/main">
+  <p:cSld>
+    <p:spTree>
+      <p:nvGrpSpPr>
+        <p:cNvPr id="1" name=""/>
+        <p:cNvGrpSpPr/>
+        <p:nvPr/>
+      </p:nvGrpSpPr>
+      <p:grpSpPr>
+        <a:xfrm>
+          <a:off x="0" y="0"/>
+          <a:ext cx="0" cy="0"/>
+          <a:chOff x="0" y="0"/>
+          <a:chExt cx="0" cy="0"/>
+        </a:xfrm>
+      </p:grpSpPr>
+      <p:sp>
+        <p:nvSpPr>
+          <p:cNvPr id="2" name="Заголовок 1">
+            <a:extLst>
+              <a:ext uri="{FF2B5EF4-FFF2-40B4-BE49-F238E27FC236}">
+                <a16:creationId xmlns:a16="http://schemas.microsoft.com/office/drawing/2014/main" id="{0EE06A73-9055-4718-A41F-4C1EF517EB5C}"/>
+              </a:ext>
+            </a:extLst>
+          </p:cNvPr>
+          <p:cNvSpPr>
+            <a:spLocks noGrp="1"/>
+          </p:cNvSpPr>
+          <p:nvPr>
+            <p:ph type="title"/>
+          </p:nvPr>
+        </p:nvSpPr>
+        <p:spPr>
+          <a:xfrm>
+            <a:off x="1025488" y="0"/>
+            <a:ext cx="10131425" cy="1456267"/>
+          </a:xfrm>
+        </p:spPr>
+        <p:txBody>
+          <a:bodyPr/>
+          <a:lstStyle/>
+          <a:p>
+            <a:r>
+              <a:rPr lang="ru-RU" dirty="0"/>
+              <a:t>Формат вывода</a:t>
+            </a:r>
+          </a:p>
+        </p:txBody>
+      </p:sp>
+      <p:sp>
+        <p:nvSpPr>
+          <p:cNvPr id="3" name="Объект 2">
+            <a:extLst>
+              <a:ext uri="{FF2B5EF4-FFF2-40B4-BE49-F238E27FC236}">
+                <a16:creationId xmlns:a16="http://schemas.microsoft.com/office/drawing/2014/main" id="{2548766F-AF93-40E5-929E-8C966B53C880}"/>
+              </a:ext>
+            </a:extLst>
+          </p:cNvPr>
+          <p:cNvSpPr>
+            <a:spLocks noGrp="1"/>
+          </p:cNvSpPr>
+          <p:nvPr>
+            <p:ph idx="1"/>
+          </p:nvPr>
+        </p:nvSpPr>
+        <p:spPr/>
+        <p:txBody>
+          <a:bodyPr/>
+          <a:lstStyle/>
+          <a:p>
+            <a:endParaRPr lang="ru-RU" dirty="0"/>
+          </a:p>
+        </p:txBody>
+      </p:sp>
+      <p:pic>
+        <p:nvPicPr>
+          <p:cNvPr id="4" name="Рисунок 3">
+            <a:extLst>
+              <a:ext uri="{FF2B5EF4-FFF2-40B4-BE49-F238E27FC236}">
+                <a16:creationId xmlns:a16="http://schemas.microsoft.com/office/drawing/2014/main" id="{FF265E29-8039-4E40-BFAF-C1BD79AED76D}"/>
+              </a:ext>
+            </a:extLst>
+          </p:cNvPr>
+          <p:cNvPicPr>
+            <a:picLocks noChangeAspect="1"/>
+          </p:cNvPicPr>
+          <p:nvPr/>
+        </p:nvPicPr>
+        <p:blipFill>
+          <a:blip r:embed="rId2"/>
+          <a:stretch>
+            <a:fillRect/>
+          </a:stretch>
+        </p:blipFill>
+        <p:spPr>
+          <a:xfrm>
+            <a:off x="1476337" y="1415851"/>
+            <a:ext cx="9229725" cy="4772025"/>
+          </a:xfrm>
+          <a:prstGeom prst="rect">
+            <a:avLst/>
+          </a:prstGeom>
+        </p:spPr>
+      </p:pic>
+    </p:spTree>
+    <p:extLst>
+      <p:ext uri="{BB962C8B-B14F-4D97-AF65-F5344CB8AC3E}">
+        <p14:creationId xmlns:p14="http://schemas.microsoft.com/office/powerpoint/2010/main" val="3199217579"/>
+      </p:ext>
+    </p:extLst>
+  </p:cSld>
+  <p:clrMapOvr>
+    <a:masterClrMapping/>
+  </p:clrMapOvr>
+  <mc:AlternateContent xmlns:mc="http://schemas.openxmlformats.org/markup-compatibility/2006" xmlns:p14="http://schemas.microsoft.com/office/powerpoint/2010/main">
+    <mc:Choice Requires="p14">
+      <p:transition spd="med" p14:dur="700">
+        <p:fade/>
+      </p:transition>
+    </mc:Choice>
+    <mc:Fallback xmlns="">
+      <p:transition spd="med">
+        <p:fade/>
+      </p:transition>
+    </mc:Fallback>
+  </mc:AlternateContent>
+</p:sld>
+</file>
+
+<file path=ppt/slides/slide9.xml><?xml version="1.0" encoding="utf-8"?>
+<p:sld xmlns:a="http://schemas.openxmlformats.org/drawingml/2006/main" xmlns:r="http://schemas.openxmlformats.org/officeDocument/2006/relationships" xmlns:p="http://schemas.openxmlformats.org/presentationml/2006/main">
+  <p:cSld>
+    <p:spTree>
+      <p:nvGrpSpPr>
+        <p:cNvPr id="1" name=""/>
+        <p:cNvGrpSpPr/>
+        <p:nvPr/>
+      </p:nvGrpSpPr>
+      <p:grpSpPr>
+        <a:xfrm>
+          <a:off x="0" y="0"/>
+          <a:ext cx="0" cy="0"/>
+          <a:chOff x="0" y="0"/>
+          <a:chExt cx="0" cy="0"/>
+        </a:xfrm>
+      </p:grpSpPr>
+      <p:sp>
+        <p:nvSpPr>
+          <p:cNvPr id="2" name="Заголовок 1">
+            <a:extLst>
+              <a:ext uri="{FF2B5EF4-FFF2-40B4-BE49-F238E27FC236}">
+                <a16:creationId xmlns:a16="http://schemas.microsoft.com/office/drawing/2014/main" id="{0EE06A73-9055-4718-A41F-4C1EF517EB5C}"/>
+              </a:ext>
+            </a:extLst>
+          </p:cNvPr>
+          <p:cNvSpPr>
+            <a:spLocks noGrp="1"/>
+          </p:cNvSpPr>
+          <p:nvPr>
+            <p:ph type="title"/>
+          </p:nvPr>
+        </p:nvSpPr>
+        <p:spPr>
+          <a:xfrm>
+            <a:off x="1025488" y="0"/>
+            <a:ext cx="10131425" cy="1456267"/>
+          </a:xfrm>
+        </p:spPr>
+        <p:txBody>
+          <a:bodyPr/>
+          <a:lstStyle/>
+          <a:p>
+            <a:r>
+              <a:rPr lang="ru-RU" dirty="0"/>
+              <a:t>Формат вывода</a:t>
+            </a:r>
+          </a:p>
+        </p:txBody>
+      </p:sp>
+      <p:sp>
+        <p:nvSpPr>
+          <p:cNvPr id="3" name="Объект 2">
+            <a:extLst>
+              <a:ext uri="{FF2B5EF4-FFF2-40B4-BE49-F238E27FC236}">
+                <a16:creationId xmlns:a16="http://schemas.microsoft.com/office/drawing/2014/main" id="{2548766F-AF93-40E5-929E-8C966B53C880}"/>
+              </a:ext>
+            </a:extLst>
+          </p:cNvPr>
+          <p:cNvSpPr>
+            <a:spLocks noGrp="1"/>
+          </p:cNvSpPr>
+          <p:nvPr>
+            <p:ph idx="1"/>
+          </p:nvPr>
+        </p:nvSpPr>
+        <p:spPr/>
+        <p:txBody>
+          <a:bodyPr/>
+          <a:lstStyle/>
+          <a:p>
+            <a:endParaRPr lang="ru-RU" dirty="0"/>
+          </a:p>
+        </p:txBody>
+      </p:sp>
+      <p:pic>
+        <p:nvPicPr>
+          <p:cNvPr id="4" name="Рисунок 3">
+            <a:extLst>
+              <a:ext uri="{FF2B5EF4-FFF2-40B4-BE49-F238E27FC236}">
+                <a16:creationId xmlns:a16="http://schemas.microsoft.com/office/drawing/2014/main" id="{A13F309D-DEF4-4596-851B-6ED8F6A07DA1}"/>
+              </a:ext>
+            </a:extLst>
+          </p:cNvPr>
+          <p:cNvPicPr>
+            <a:picLocks noChangeAspect="1"/>
+          </p:cNvPicPr>
+          <p:nvPr/>
+        </p:nvPicPr>
+        <p:blipFill>
+          <a:blip r:embed="rId2"/>
+          <a:stretch>
+            <a:fillRect/>
+          </a:stretch>
+        </p:blipFill>
+        <p:spPr>
+          <a:xfrm>
+            <a:off x="2550543" y="1229264"/>
+            <a:ext cx="7090913" cy="5318185"/>
+          </a:xfrm>
+          <a:prstGeom prst="rect">
+            <a:avLst/>
+          </a:prstGeom>
+        </p:spPr>
+      </p:pic>
+    </p:spTree>
+    <p:extLst>
+      <p:ext uri="{BB962C8B-B14F-4D97-AF65-F5344CB8AC3E}">
+        <p14:creationId xmlns:p14="http://schemas.microsoft.com/office/powerpoint/2010/main" val="600442720"/>
+      </p:ext>
+    </p:extLst>
+  </p:cSld>
+  <p:clrMapOvr>
+    <a:masterClrMapping/>
+  </p:clrMapOvr>
+  <mc:AlternateContent xmlns:mc="http://schemas.openxmlformats.org/markup-compatibility/2006" xmlns:p14="http://schemas.microsoft.com/office/powerpoint/2010/main">
+    <mc:Choice Requires="p14">
+      <p:transition spd="med" p14:dur="700">
+        <p:fade/>
+      </p:transition>
+    </mc:Choice>
+    <mc:Fallback xmlns="">
+      <p:transition spd="med">
+        <p:fade/>
+      </p:transition>
+    </mc:Fallback>
+  </mc:AlternateContent>
 </p:sld>
 </file>
 
@@ -7620,4 +9609,299 @@
     </a:ext>
   </a:extLst>
 </a:theme>
+</file>
+
+<file path=ppt/theme/theme2.xml><?xml version="1.0" encoding="utf-8"?>
+<a:theme xmlns:a="http://schemas.openxmlformats.org/drawingml/2006/main" name="Тема Office">
+  <a:themeElements>
+    <a:clrScheme name="Стандартная">
+      <a:dk1>
+        <a:sysClr val="windowText" lastClr="000000"/>
+      </a:dk1>
+      <a:lt1>
+        <a:sysClr val="window" lastClr="FFFFFF"/>
+      </a:lt1>
+      <a:dk2>
+        <a:srgbClr val="44546A"/>
+      </a:dk2>
+      <a:lt2>
+        <a:srgbClr val="E7E6E6"/>
+      </a:lt2>
+      <a:accent1>
+        <a:srgbClr val="4472C4"/>
+      </a:accent1>
+      <a:accent2>
+        <a:srgbClr val="ED7D31"/>
+      </a:accent2>
+      <a:accent3>
+        <a:srgbClr val="A5A5A5"/>
+      </a:accent3>
+      <a:accent4>
+        <a:srgbClr val="FFC000"/>
+      </a:accent4>
+      <a:accent5>
+        <a:srgbClr val="5B9BD5"/>
+      </a:accent5>
+      <a:accent6>
+        <a:srgbClr val="70AD47"/>
+      </a:accent6>
+      <a:hlink>
+        <a:srgbClr val="0563C1"/>
+      </a:hlink>
+      <a:folHlink>
+        <a:srgbClr val="954F72"/>
+      </a:folHlink>
+    </a:clrScheme>
+    <a:fontScheme name="Стандартная">
+      <a:majorFont>
+        <a:latin typeface="Calibri Light" panose="020F0302020204030204"/>
+        <a:ea typeface=""/>
+        <a:cs typeface=""/>
+        <a:font script="Jpan" typeface="游ゴシック Light"/>
+        <a:font script="Hang" typeface="맑은 고딕"/>
+        <a:font script="Hans" typeface="等线 Light"/>
+        <a:font script="Hant" typeface="新細明體"/>
+        <a:font script="Arab" typeface="Times New Roman"/>
+        <a:font script="Hebr" typeface="Times New Roman"/>
+        <a:font script="Thai" typeface="Angsana New"/>
+        <a:font script="Ethi" typeface="Nyala"/>
+        <a:font script="Beng" typeface="Vrinda"/>
+        <a:font script="Gujr" typeface="Shruti"/>
+        <a:font script="Khmr" typeface="MoolBoran"/>
+        <a:font script="Knda" typeface="Tunga"/>
+        <a:font script="Guru" typeface="Raavi"/>
+        <a:font script="Cans" typeface="Euphemia"/>
+        <a:font script="Cher" typeface="Plantagenet Cherokee"/>
+        <a:font script="Yiii" typeface="Microsoft Yi Baiti"/>
+        <a:font script="Tibt" typeface="Microsoft Himalaya"/>
+        <a:font script="Thaa" typeface="MV Boli"/>
+        <a:font script="Deva" typeface="Mangal"/>
+        <a:font script="Telu" typeface="Gautami"/>
+        <a:font script="Taml" typeface="Latha"/>
+        <a:font script="Syrc" typeface="Estrangelo Edessa"/>
+        <a:font script="Orya" typeface="Kalinga"/>
+        <a:font script="Mlym" typeface="Kartika"/>
+        <a:font script="Laoo" typeface="DokChampa"/>
+        <a:font script="Sinh" typeface="Iskoola Pota"/>
+        <a:font script="Mong" typeface="Mongolian Baiti"/>
+        <a:font script="Viet" typeface="Times New Roman"/>
+        <a:font script="Uigh" typeface="Microsoft Uighur"/>
+        <a:font script="Geor" typeface="Sylfaen"/>
+        <a:font script="Armn" typeface="Arial"/>
+        <a:font script="Bugi" typeface="Leelawadee UI"/>
+        <a:font script="Bopo" typeface="Microsoft JhengHei"/>
+        <a:font script="Java" typeface="Javanese Text"/>
+        <a:font script="Lisu" typeface="Segoe UI"/>
+        <a:font script="Mymr" typeface="Myanmar Text"/>
+        <a:font script="Nkoo" typeface="Ebrima"/>
+        <a:font script="Olck" typeface="Nirmala UI"/>
+        <a:font script="Osma" typeface="Ebrima"/>
+        <a:font script="Phag" typeface="Phagspa"/>
+        <a:font script="Syrn" typeface="Estrangelo Edessa"/>
+        <a:font script="Syrj" typeface="Estrangelo Edessa"/>
+        <a:font script="Syre" typeface="Estrangelo Edessa"/>
+        <a:font script="Sora" typeface="Nirmala UI"/>
+        <a:font script="Tale" typeface="Microsoft Tai Le"/>
+        <a:font script="Talu" typeface="Microsoft New Tai Lue"/>
+        <a:font script="Tfng" typeface="Ebrima"/>
+      </a:majorFont>
+      <a:minorFont>
+        <a:latin typeface="Calibri" panose="020F0502020204030204"/>
+        <a:ea typeface=""/>
+        <a:cs typeface=""/>
+        <a:font script="Jpan" typeface="游ゴシック"/>
+        <a:font script="Hang" typeface="맑은 고딕"/>
+        <a:font script="Hans" typeface="等线"/>
+        <a:font script="Hant" typeface="新細明體"/>
+        <a:font script="Arab" typeface="Arial"/>
+        <a:font script="Hebr" typeface="Arial"/>
+        <a:font script="Thai" typeface="Cordia New"/>
+        <a:font script="Ethi" typeface="Nyala"/>
+        <a:font script="Beng" typeface="Vrinda"/>
+        <a:font script="Gujr" typeface="Shruti"/>
+        <a:font script="Khmr" typeface="DaunPenh"/>
+        <a:font script="Knda" typeface="Tunga"/>
+        <a:font script="Guru" typeface="Raavi"/>
+        <a:font script="Cans" typeface="Euphemia"/>
+        <a:font script="Cher" typeface="Plantagenet Cherokee"/>
+        <a:font script="Yiii" typeface="Microsoft Yi Baiti"/>
+        <a:font script="Tibt" typeface="Microsoft Himalaya"/>
+        <a:font script="Thaa" typeface="MV Boli"/>
+        <a:font script="Deva" typeface="Mangal"/>
+        <a:font script="Telu" typeface="Gautami"/>
+        <a:font script="Taml" typeface="Latha"/>
+        <a:font script="Syrc" typeface="Estrangelo Edessa"/>
+        <a:font script="Orya" typeface="Kalinga"/>
+        <a:font script="Mlym" typeface="Kartika"/>
+        <a:font script="Laoo" typeface="DokChampa"/>
+        <a:font script="Sinh" typeface="Iskoola Pota"/>
+        <a:font script="Mong" typeface="Mongolian Baiti"/>
+        <a:font script="Viet" typeface="Arial"/>
+        <a:font script="Uigh" typeface="Microsoft Uighur"/>
+        <a:font script="Geor" typeface="Sylfaen"/>
+        <a:font script="Armn" typeface="Arial"/>
+        <a:font script="Bugi" typeface="Leelawadee UI"/>
+        <a:font script="Bopo" typeface="Microsoft JhengHei"/>
+        <a:font script="Java" typeface="Javanese Text"/>
+        <a:font script="Lisu" typeface="Segoe UI"/>
+        <a:font script="Mymr" typeface="Myanmar Text"/>
+        <a:font script="Nkoo" typeface="Ebrima"/>
+        <a:font script="Olck" typeface="Nirmala UI"/>
+        <a:font script="Osma" typeface="Ebrima"/>
+        <a:font script="Phag" typeface="Phagspa"/>
+        <a:font script="Syrn" typeface="Estrangelo Edessa"/>
+        <a:font script="Syrj" typeface="Estrangelo Edessa"/>
+        <a:font script="Syre" typeface="Estrangelo Edessa"/>
+        <a:font script="Sora" typeface="Nirmala UI"/>
+        <a:font script="Tale" typeface="Microsoft Tai Le"/>
+        <a:font script="Talu" typeface="Microsoft New Tai Lue"/>
+        <a:font script="Tfng" typeface="Ebrima"/>
+      </a:minorFont>
+    </a:fontScheme>
+    <a:fmtScheme name="Стандартная">
+      <a:fillStyleLst>
+        <a:solidFill>
+          <a:schemeClr val="phClr"/>
+        </a:solidFill>
+        <a:gradFill rotWithShape="1">
+          <a:gsLst>
+            <a:gs pos="0">
+              <a:schemeClr val="phClr">
+                <a:lumMod val="110000"/>
+                <a:satMod val="105000"/>
+                <a:tint val="67000"/>
+              </a:schemeClr>
+            </a:gs>
+            <a:gs pos="50000">
+              <a:schemeClr val="phClr">
+                <a:lumMod val="105000"/>
+                <a:satMod val="103000"/>
+                <a:tint val="73000"/>
+              </a:schemeClr>
+            </a:gs>
+            <a:gs pos="100000">
+              <a:schemeClr val="phClr">
+                <a:lumMod val="105000"/>
+                <a:satMod val="109000"/>
+                <a:tint val="81000"/>
+              </a:schemeClr>
+            </a:gs>
+          </a:gsLst>
+          <a:lin ang="5400000" scaled="0"/>
+        </a:gradFill>
+        <a:gradFill rotWithShape="1">
+          <a:gsLst>
+            <a:gs pos="0">
+              <a:schemeClr val="phClr">
+                <a:satMod val="103000"/>
+                <a:lumMod val="102000"/>
+                <a:tint val="94000"/>
+              </a:schemeClr>
+            </a:gs>
+            <a:gs pos="50000">
+              <a:schemeClr val="phClr">
+                <a:satMod val="110000"/>
+                <a:lumMod val="100000"/>
+                <a:shade val="100000"/>
+              </a:schemeClr>
+            </a:gs>
+            <a:gs pos="100000">
+              <a:schemeClr val="phClr">
+                <a:lumMod val="99000"/>
+                <a:satMod val="120000"/>
+                <a:shade val="78000"/>
+              </a:schemeClr>
+            </a:gs>
+          </a:gsLst>
+          <a:lin ang="5400000" scaled="0"/>
+        </a:gradFill>
+      </a:fillStyleLst>
+      <a:lnStyleLst>
+        <a:ln w="6350" cap="flat" cmpd="sng" algn="ctr">
+          <a:solidFill>
+            <a:schemeClr val="phClr"/>
+          </a:solidFill>
+          <a:prstDash val="solid"/>
+          <a:miter lim="800000"/>
+        </a:ln>
+        <a:ln w="12700" cap="flat" cmpd="sng" algn="ctr">
+          <a:solidFill>
+            <a:schemeClr val="phClr"/>
+          </a:solidFill>
+          <a:prstDash val="solid"/>
+          <a:miter lim="800000"/>
+        </a:ln>
+        <a:ln w="19050" cap="flat" cmpd="sng" algn="ctr">
+          <a:solidFill>
+            <a:schemeClr val="phClr"/>
+          </a:solidFill>
+          <a:prstDash val="solid"/>
+          <a:miter lim="800000"/>
+        </a:ln>
+      </a:lnStyleLst>
+      <a:effectStyleLst>
+        <a:effectStyle>
+          <a:effectLst/>
+        </a:effectStyle>
+        <a:effectStyle>
+          <a:effectLst/>
+        </a:effectStyle>
+        <a:effectStyle>
+          <a:effectLst>
+            <a:outerShdw blurRad="57150" dist="19050" dir="5400000" algn="ctr" rotWithShape="0">
+              <a:srgbClr val="000000">
+                <a:alpha val="63000"/>
+              </a:srgbClr>
+            </a:outerShdw>
+          </a:effectLst>
+        </a:effectStyle>
+      </a:effectStyleLst>
+      <a:bgFillStyleLst>
+        <a:solidFill>
+          <a:schemeClr val="phClr"/>
+        </a:solidFill>
+        <a:solidFill>
+          <a:schemeClr val="phClr">
+            <a:tint val="95000"/>
+            <a:satMod val="170000"/>
+          </a:schemeClr>
+        </a:solidFill>
+        <a:gradFill rotWithShape="1">
+          <a:gsLst>
+            <a:gs pos="0">
+              <a:schemeClr val="phClr">
+                <a:tint val="93000"/>
+                <a:satMod val="150000"/>
+                <a:shade val="98000"/>
+                <a:lumMod val="102000"/>
+              </a:schemeClr>
+            </a:gs>
+            <a:gs pos="50000">
+              <a:schemeClr val="phClr">
+                <a:tint val="98000"/>
+                <a:satMod val="130000"/>
+                <a:shade val="90000"/>
+                <a:lumMod val="103000"/>
+              </a:schemeClr>
+            </a:gs>
+            <a:gs pos="100000">
+              <a:schemeClr val="phClr">
+                <a:shade val="63000"/>
+                <a:satMod val="120000"/>
+              </a:schemeClr>
+            </a:gs>
+          </a:gsLst>
+          <a:lin ang="5400000" scaled="0"/>
+        </a:gradFill>
+      </a:bgFillStyleLst>
+    </a:fmtScheme>
+  </a:themeElements>
+  <a:objectDefaults/>
+  <a:extraClrSchemeLst/>
+  <a:extLst>
+    <a:ext uri="{05A4C25C-085E-4340-85A3-A5531E510DB2}">
+      <thm15:themeFamily xmlns:thm15="http://schemas.microsoft.com/office/thememl/2012/main" name="Office Theme" id="{62F939B6-93AF-4DB8-9C6B-D6C7DFDC589F}" vid="{4A3C46E8-61CC-4603-A589-7422A47A8E4A}"/>
+    </a:ext>
+  </a:extLst>
+</a:theme>
 </file>